--- a/Explicaciones-PPT/Evaluar-Expresiones/Ejercicios-Evaluar_Expresiones.pptx
+++ b/Explicaciones-PPT/Evaluar-Expresiones/Ejercicios-Evaluar_Expresiones.pptx
@@ -104,7 +104,51 @@
       </a:defRPr>
     </a:lvl9pPr>
   </p:defaultTextStyle>
+  <p:extLst>
+    <p:ext uri="{521415D9-36F7-43E2-AB2F-B90AF26B5E84}">
+      <p14:sectionLst xmlns:p14="http://schemas.microsoft.com/office/powerpoint/2010/main">
+        <p14:section name="Prefija" id="{1C7A8C2F-9BB1-43D4-B948-2715B6F0623C}">
+          <p14:sldIdLst/>
+        </p14:section>
+        <p14:section name="Posfija" id="{CE10D3D5-C556-40B3-A35E-81517868C9BA}">
+          <p14:sldIdLst>
+            <p14:sldId id="257"/>
+          </p14:sldIdLst>
+        </p14:section>
+      </p14:sectionLst>
+    </p:ext>
+    <p:ext uri="{EFAFB233-063F-42B5-8137-9DF3F51BA10A}">
+      <p15:sldGuideLst xmlns:p15="http://schemas.microsoft.com/office/powerpoint/2012/main"/>
+    </p:ext>
+  </p:extLst>
 </p:presentation>
+</file>
+
+<file path=ppt/ink/ink1.xml><?xml version="1.0" encoding="utf-8"?>
+<inkml:ink xmlns:inkml="http://www.w3.org/2003/InkML">
+  <inkml:definitions>
+    <inkml:context xml:id="ctx0">
+      <inkml:inkSource xml:id="inkSrc0">
+        <inkml:traceFormat>
+          <inkml:channel name="X" type="integer" min="-2.14748E9" max="2.14748E9" units="cm"/>
+          <inkml:channel name="Y" type="integer" min="-2.14748E9" max="2.14748E9" units="cm"/>
+        </inkml:traceFormat>
+        <inkml:channelProperties>
+          <inkml:channelProperty channel="X" name="resolution" value="1000" units="1/cm"/>
+          <inkml:channelProperty channel="Y" name="resolution" value="1000" units="1/cm"/>
+        </inkml:channelProperties>
+      </inkml:inkSource>
+      <inkml:timestamp xml:id="ts0" timeString="2024-04-30T23:54:13.277"/>
+    </inkml:context>
+    <inkml:brush xml:id="br0">
+      <inkml:brushProperty name="width" value="0.1" units="cm"/>
+      <inkml:brushProperty name="height" value="0.1" units="cm"/>
+      <inkml:brushProperty name="color" value="#E71224"/>
+      <inkml:brushProperty name="ignorePressure" value="1"/>
+    </inkml:brush>
+  </inkml:definitions>
+  <inkml:trace contextRef="#ctx0" brushRef="#br0">0 0,'0'14764,"0"-14741</inkml:trace>
+</inkml:ink>
 </file>
 
 <file path=ppt/slideLayouts/slideLayout1.xml><?xml version="1.0" encoding="utf-8"?>
@@ -256,7 +300,7 @@
           <a:p>
             <a:fld id="{41B8DF58-E6D0-4AF1-A314-CA6486369FD3}" type="datetimeFigureOut">
               <a:rPr lang="es-PE" smtClean="0"/>
-              <a:t>29/04/2024</a:t>
+              <a:t>30/04/2024</a:t>
             </a:fld>
             <a:endParaRPr lang="es-PE"/>
           </a:p>
@@ -456,7 +500,7 @@
           <a:p>
             <a:fld id="{41B8DF58-E6D0-4AF1-A314-CA6486369FD3}" type="datetimeFigureOut">
               <a:rPr lang="es-PE" smtClean="0"/>
-              <a:t>29/04/2024</a:t>
+              <a:t>30/04/2024</a:t>
             </a:fld>
             <a:endParaRPr lang="es-PE"/>
           </a:p>
@@ -666,7 +710,7 @@
           <a:p>
             <a:fld id="{41B8DF58-E6D0-4AF1-A314-CA6486369FD3}" type="datetimeFigureOut">
               <a:rPr lang="es-PE" smtClean="0"/>
-              <a:t>29/04/2024</a:t>
+              <a:t>30/04/2024</a:t>
             </a:fld>
             <a:endParaRPr lang="es-PE"/>
           </a:p>
@@ -866,7 +910,7 @@
           <a:p>
             <a:fld id="{41B8DF58-E6D0-4AF1-A314-CA6486369FD3}" type="datetimeFigureOut">
               <a:rPr lang="es-PE" smtClean="0"/>
-              <a:t>29/04/2024</a:t>
+              <a:t>30/04/2024</a:t>
             </a:fld>
             <a:endParaRPr lang="es-PE"/>
           </a:p>
@@ -1142,7 +1186,7 @@
           <a:p>
             <a:fld id="{41B8DF58-E6D0-4AF1-A314-CA6486369FD3}" type="datetimeFigureOut">
               <a:rPr lang="es-PE" smtClean="0"/>
-              <a:t>29/04/2024</a:t>
+              <a:t>30/04/2024</a:t>
             </a:fld>
             <a:endParaRPr lang="es-PE"/>
           </a:p>
@@ -1410,7 +1454,7 @@
           <a:p>
             <a:fld id="{41B8DF58-E6D0-4AF1-A314-CA6486369FD3}" type="datetimeFigureOut">
               <a:rPr lang="es-PE" smtClean="0"/>
-              <a:t>29/04/2024</a:t>
+              <a:t>30/04/2024</a:t>
             </a:fld>
             <a:endParaRPr lang="es-PE"/>
           </a:p>
@@ -1825,7 +1869,7 @@
           <a:p>
             <a:fld id="{41B8DF58-E6D0-4AF1-A314-CA6486369FD3}" type="datetimeFigureOut">
               <a:rPr lang="es-PE" smtClean="0"/>
-              <a:t>29/04/2024</a:t>
+              <a:t>30/04/2024</a:t>
             </a:fld>
             <a:endParaRPr lang="es-PE"/>
           </a:p>
@@ -1967,7 +2011,7 @@
           <a:p>
             <a:fld id="{41B8DF58-E6D0-4AF1-A314-CA6486369FD3}" type="datetimeFigureOut">
               <a:rPr lang="es-PE" smtClean="0"/>
-              <a:t>29/04/2024</a:t>
+              <a:t>30/04/2024</a:t>
             </a:fld>
             <a:endParaRPr lang="es-PE"/>
           </a:p>
@@ -2080,7 +2124,7 @@
           <a:p>
             <a:fld id="{41B8DF58-E6D0-4AF1-A314-CA6486369FD3}" type="datetimeFigureOut">
               <a:rPr lang="es-PE" smtClean="0"/>
-              <a:t>29/04/2024</a:t>
+              <a:t>30/04/2024</a:t>
             </a:fld>
             <a:endParaRPr lang="es-PE"/>
           </a:p>
@@ -2393,7 +2437,7 @@
           <a:p>
             <a:fld id="{41B8DF58-E6D0-4AF1-A314-CA6486369FD3}" type="datetimeFigureOut">
               <a:rPr lang="es-PE" smtClean="0"/>
-              <a:t>29/04/2024</a:t>
+              <a:t>30/04/2024</a:t>
             </a:fld>
             <a:endParaRPr lang="es-PE"/>
           </a:p>
@@ -2682,7 +2726,7 @@
           <a:p>
             <a:fld id="{41B8DF58-E6D0-4AF1-A314-CA6486369FD3}" type="datetimeFigureOut">
               <a:rPr lang="es-PE" smtClean="0"/>
-              <a:t>29/04/2024</a:t>
+              <a:t>30/04/2024</a:t>
             </a:fld>
             <a:endParaRPr lang="es-PE"/>
           </a:p>
@@ -2925,7 +2969,7 @@
           <a:p>
             <a:fld id="{41B8DF58-E6D0-4AF1-A314-CA6486369FD3}" type="datetimeFigureOut">
               <a:rPr lang="es-PE" smtClean="0"/>
-              <a:t>29/04/2024</a:t>
+              <a:t>30/04/2024</a:t>
             </a:fld>
             <a:endParaRPr lang="es-PE"/>
           </a:p>
@@ -3359,7 +3403,7 @@
             <p:spPr>
               <a:xfrm>
                 <a:off x="355601" y="254000"/>
-                <a:ext cx="2459840" cy="519438"/>
+                <a:ext cx="3979487" cy="392287"/>
               </a:xfrm>
               <a:prstGeom prst="rect">
                 <a:avLst/>
@@ -3372,68 +3416,71 @@
               </a:bodyPr>
               <a:lstStyle/>
               <a:p>
+                <a:pPr/>
+                <a:r>
+                  <a:rPr lang="es-PE" b="0">
+                    <a:latin typeface="Times New Roman" panose="02020603050405020304" pitchFamily="18" charset="0"/>
+                    <a:cs typeface="Times New Roman" panose="02020603050405020304" pitchFamily="18" charset="0"/>
+                  </a:rPr>
+                  <a:t>Expresión infija: </a:t>
+                </a:r>
                 <a14:m>
-                  <m:oMathPara xmlns:m="http://schemas.openxmlformats.org/officeDocument/2006/math">
-                    <m:oMathParaPr>
-                      <m:jc m:val="centerGroup"/>
-                    </m:oMathParaPr>
-                    <m:oMath xmlns:m="http://schemas.openxmlformats.org/officeDocument/2006/math">
-                      <m:r>
-                        <a:rPr lang="es-PE" b="0" i="1" smtClean="0">
-                          <a:latin typeface="Cambria Math" panose="02040503050406030204" pitchFamily="18" charset="0"/>
-                        </a:rPr>
-                        <m:t>4∗5+15−</m:t>
-                      </m:r>
-                      <m:d>
-                        <m:dPr>
-                          <m:ctrlPr>
-                            <a:rPr lang="es-PE" b="0" i="1" smtClean="0">
-                              <a:latin typeface="Cambria Math" panose="02040503050406030204" pitchFamily="18" charset="0"/>
-                            </a:rPr>
-                          </m:ctrlPr>
-                        </m:dPr>
-                        <m:e>
-                          <m:r>
-                            <a:rPr lang="es-PE" b="0" i="1" smtClean="0">
-                              <a:latin typeface="Cambria Math" panose="02040503050406030204" pitchFamily="18" charset="0"/>
-                            </a:rPr>
-                            <m:t>4−1</m:t>
-                          </m:r>
-                        </m:e>
-                      </m:d>
-                      <m:r>
-                        <a:rPr lang="es-PE" b="0" i="1" smtClean="0">
-                          <a:latin typeface="Cambria Math" panose="02040503050406030204" pitchFamily="18" charset="0"/>
-                        </a:rPr>
-                        <m:t>+</m:t>
-                      </m:r>
-                      <m:f>
-                        <m:fPr>
-                          <m:ctrlPr>
-                            <a:rPr lang="es-PE" b="0" i="1" smtClean="0">
-                              <a:latin typeface="Cambria Math" panose="02040503050406030204" pitchFamily="18" charset="0"/>
-                            </a:rPr>
-                          </m:ctrlPr>
-                        </m:fPr>
-                        <m:num>
-                          <m:r>
-                            <a:rPr lang="es-PE" b="0" i="1" smtClean="0">
-                              <a:latin typeface="Cambria Math" panose="02040503050406030204" pitchFamily="18" charset="0"/>
-                            </a:rPr>
-                            <m:t>4</m:t>
-                          </m:r>
-                        </m:num>
-                        <m:den>
-                          <m:r>
-                            <a:rPr lang="es-PE" b="0" i="1" smtClean="0">
-                              <a:latin typeface="Cambria Math" panose="02040503050406030204" pitchFamily="18" charset="0"/>
-                            </a:rPr>
-                            <m:t>5</m:t>
-                          </m:r>
-                        </m:den>
-                      </m:f>
-                    </m:oMath>
-                  </m:oMathPara>
+                  <m:oMath xmlns:m="http://schemas.openxmlformats.org/officeDocument/2006/math">
+                    <m:r>
+                      <a:rPr lang="es-PE" b="0" i="1" smtClean="0">
+                        <a:latin typeface="Cambria Math" panose="02040503050406030204" pitchFamily="18" charset="0"/>
+                      </a:rPr>
+                      <m:t>4∗5+15−</m:t>
+                    </m:r>
+                    <m:d>
+                      <m:dPr>
+                        <m:ctrlPr>
+                          <a:rPr lang="es-PE" b="0" i="1" smtClean="0">
+                            <a:latin typeface="Cambria Math" panose="02040503050406030204" pitchFamily="18" charset="0"/>
+                          </a:rPr>
+                        </m:ctrlPr>
+                      </m:dPr>
+                      <m:e>
+                        <m:r>
+                          <a:rPr lang="es-PE" b="0" i="1" smtClean="0">
+                            <a:latin typeface="Cambria Math" panose="02040503050406030204" pitchFamily="18" charset="0"/>
+                          </a:rPr>
+                          <m:t>4−1</m:t>
+                        </m:r>
+                      </m:e>
+                    </m:d>
+                    <m:r>
+                      <a:rPr lang="es-PE" b="0" i="1" smtClean="0">
+                        <a:latin typeface="Cambria Math" panose="02040503050406030204" pitchFamily="18" charset="0"/>
+                      </a:rPr>
+                      <m:t>+</m:t>
+                    </m:r>
+                    <m:f>
+                      <m:fPr>
+                        <m:ctrlPr>
+                          <a:rPr lang="es-PE" b="0" i="1" smtClean="0">
+                            <a:latin typeface="Cambria Math" panose="02040503050406030204" pitchFamily="18" charset="0"/>
+                          </a:rPr>
+                        </m:ctrlPr>
+                      </m:fPr>
+                      <m:num>
+                        <m:r>
+                          <a:rPr lang="es-PE" b="0" i="1" smtClean="0">
+                            <a:latin typeface="Cambria Math" panose="02040503050406030204" pitchFamily="18" charset="0"/>
+                          </a:rPr>
+                          <m:t>4</m:t>
+                        </m:r>
+                      </m:num>
+                      <m:den>
+                        <m:r>
+                          <a:rPr lang="es-PE" b="0" i="1" smtClean="0">
+                            <a:latin typeface="Cambria Math" panose="02040503050406030204" pitchFamily="18" charset="0"/>
+                          </a:rPr>
+                          <m:t>5</m:t>
+                        </m:r>
+                      </m:den>
+                    </m:f>
+                  </m:oMath>
                 </a14:m>
                 <a:endParaRPr lang="es-PE"/>
               </a:p>
@@ -3458,7 +3505,7 @@
             <p:spPr>
               <a:xfrm>
                 <a:off x="355601" y="254000"/>
-                <a:ext cx="2459840" cy="519438"/>
+                <a:ext cx="3979487" cy="392287"/>
               </a:xfrm>
               <a:prstGeom prst="rect">
                 <a:avLst/>
@@ -3466,7 +3513,7 @@
               <a:blipFill>
                 <a:blip r:embed="rId2"/>
                 <a:stretch>
-                  <a:fillRect/>
+                  <a:fillRect l="-3522" t="-6250" r="-613" b="-20313"/>
                 </a:stretch>
               </a:blipFill>
             </p:spPr>
@@ -3485,6 +3532,3279 @@
           </p:sp>
         </mc:Fallback>
       </mc:AlternateContent>
+      <p:graphicFrame>
+        <p:nvGraphicFramePr>
+          <p:cNvPr id="3" name="Tabla 3">
+            <a:extLst>
+              <a:ext uri="{FF2B5EF4-FFF2-40B4-BE49-F238E27FC236}">
+                <a16:creationId xmlns:a16="http://schemas.microsoft.com/office/drawing/2014/main" id="{D872462F-862C-4A91-9081-145B1FF68016}"/>
+              </a:ext>
+            </a:extLst>
+          </p:cNvPr>
+          <p:cNvGraphicFramePr>
+            <a:graphicFrameLocks noGrp="1"/>
+          </p:cNvGraphicFramePr>
+          <p:nvPr>
+            <p:extLst>
+              <p:ext uri="{D42A27DB-BD31-4B8C-83A1-F6EECF244321}">
+                <p14:modId xmlns:p14="http://schemas.microsoft.com/office/powerpoint/2010/main" val="822513520"/>
+              </p:ext>
+            </p:extLst>
+          </p:nvPr>
+        </p:nvGraphicFramePr>
+        <p:xfrm>
+          <a:off x="488951" y="2703830"/>
+          <a:ext cx="592667" cy="2225040"/>
+        </p:xfrm>
+        <a:graphic>
+          <a:graphicData uri="http://schemas.openxmlformats.org/drawingml/2006/table">
+            <a:tbl>
+              <a:tblPr firstRow="1" bandRow="1">
+                <a:tableStyleId>{D7AC3CCA-C797-4891-BE02-D94E43425B78}</a:tableStyleId>
+              </a:tblPr>
+              <a:tblGrid>
+                <a:gridCol w="592667">
+                  <a:extLst>
+                    <a:ext uri="{9D8B030D-6E8A-4147-A177-3AD203B41FA5}">
+                      <a16:colId xmlns:a16="http://schemas.microsoft.com/office/drawing/2014/main" val="2141134815"/>
+                    </a:ext>
+                  </a:extLst>
+                </a:gridCol>
+              </a:tblGrid>
+              <a:tr h="370840">
+                <a:tc>
+                  <a:txBody>
+                    <a:bodyPr/>
+                    <a:lstStyle/>
+                    <a:p>
+                      <a:pPr algn="ctr"/>
+                      <a:endParaRPr lang="es-PE"/>
+                    </a:p>
+                  </a:txBody>
+                  <a:tcPr anchor="ctr">
+                    <a:noFill/>
+                  </a:tcPr>
+                </a:tc>
+                <a:extLst>
+                  <a:ext uri="{0D108BD9-81ED-4DB2-BD59-A6C34878D82A}">
+                    <a16:rowId xmlns:a16="http://schemas.microsoft.com/office/drawing/2014/main" val="3376352132"/>
+                  </a:ext>
+                </a:extLst>
+              </a:tr>
+              <a:tr h="370840">
+                <a:tc>
+                  <a:txBody>
+                    <a:bodyPr/>
+                    <a:lstStyle/>
+                    <a:p>
+                      <a:pPr algn="ctr"/>
+                      <a:endParaRPr lang="es-PE"/>
+                    </a:p>
+                  </a:txBody>
+                  <a:tcPr anchor="ctr">
+                    <a:noFill/>
+                  </a:tcPr>
+                </a:tc>
+                <a:extLst>
+                  <a:ext uri="{0D108BD9-81ED-4DB2-BD59-A6C34878D82A}">
+                    <a16:rowId xmlns:a16="http://schemas.microsoft.com/office/drawing/2014/main" val="1964234980"/>
+                  </a:ext>
+                </a:extLst>
+              </a:tr>
+              <a:tr h="370840">
+                <a:tc>
+                  <a:txBody>
+                    <a:bodyPr/>
+                    <a:lstStyle/>
+                    <a:p>
+                      <a:pPr algn="ctr"/>
+                      <a:endParaRPr lang="es-PE"/>
+                    </a:p>
+                  </a:txBody>
+                  <a:tcPr anchor="ctr">
+                    <a:noFill/>
+                  </a:tcPr>
+                </a:tc>
+                <a:extLst>
+                  <a:ext uri="{0D108BD9-81ED-4DB2-BD59-A6C34878D82A}">
+                    <a16:rowId xmlns:a16="http://schemas.microsoft.com/office/drawing/2014/main" val="4134296963"/>
+                  </a:ext>
+                </a:extLst>
+              </a:tr>
+              <a:tr h="370840">
+                <a:tc>
+                  <a:txBody>
+                    <a:bodyPr/>
+                    <a:lstStyle/>
+                    <a:p>
+                      <a:pPr algn="ctr"/>
+                      <a:endParaRPr lang="es-PE"/>
+                    </a:p>
+                  </a:txBody>
+                  <a:tcPr anchor="ctr">
+                    <a:noFill/>
+                  </a:tcPr>
+                </a:tc>
+                <a:extLst>
+                  <a:ext uri="{0D108BD9-81ED-4DB2-BD59-A6C34878D82A}">
+                    <a16:rowId xmlns:a16="http://schemas.microsoft.com/office/drawing/2014/main" val="3301726705"/>
+                  </a:ext>
+                </a:extLst>
+              </a:tr>
+              <a:tr h="370840">
+                <a:tc>
+                  <a:txBody>
+                    <a:bodyPr/>
+                    <a:lstStyle/>
+                    <a:p>
+                      <a:pPr algn="ctr"/>
+                      <a:endParaRPr lang="es-PE"/>
+                    </a:p>
+                  </a:txBody>
+                  <a:tcPr anchor="ctr">
+                    <a:noFill/>
+                  </a:tcPr>
+                </a:tc>
+                <a:extLst>
+                  <a:ext uri="{0D108BD9-81ED-4DB2-BD59-A6C34878D82A}">
+                    <a16:rowId xmlns:a16="http://schemas.microsoft.com/office/drawing/2014/main" val="3680721596"/>
+                  </a:ext>
+                </a:extLst>
+              </a:tr>
+              <a:tr h="370840">
+                <a:tc>
+                  <a:txBody>
+                    <a:bodyPr/>
+                    <a:lstStyle/>
+                    <a:p>
+                      <a:pPr algn="ctr"/>
+                      <a:r>
+                        <a:rPr lang="es-PE"/>
+                        <a:t>*</a:t>
+                      </a:r>
+                    </a:p>
+                  </a:txBody>
+                  <a:tcPr anchor="ctr">
+                    <a:noFill/>
+                  </a:tcPr>
+                </a:tc>
+                <a:extLst>
+                  <a:ext uri="{0D108BD9-81ED-4DB2-BD59-A6C34878D82A}">
+                    <a16:rowId xmlns:a16="http://schemas.microsoft.com/office/drawing/2014/main" val="2044636074"/>
+                  </a:ext>
+                </a:extLst>
+              </a:tr>
+            </a:tbl>
+          </a:graphicData>
+        </a:graphic>
+      </p:graphicFrame>
+      <p:sp>
+        <p:nvSpPr>
+          <p:cNvPr id="5" name="CuadroTexto 4">
+            <a:extLst>
+              <a:ext uri="{FF2B5EF4-FFF2-40B4-BE49-F238E27FC236}">
+                <a16:creationId xmlns:a16="http://schemas.microsoft.com/office/drawing/2014/main" id="{DF595865-6EC5-442D-944D-E826D72E3FF9}"/>
+              </a:ext>
+            </a:extLst>
+          </p:cNvPr>
+          <p:cNvSpPr txBox="1"/>
+          <p:nvPr/>
+        </p:nvSpPr>
+        <p:spPr>
+          <a:xfrm>
+            <a:off x="288370" y="2011874"/>
+            <a:ext cx="3733714" cy="369332"/>
+          </a:xfrm>
+          <a:prstGeom prst="rect">
+            <a:avLst/>
+          </a:prstGeom>
+          <a:noFill/>
+        </p:spPr>
+        <p:txBody>
+          <a:bodyPr wrap="none" rtlCol="0">
+            <a:spAutoFit/>
+          </a:bodyPr>
+          <a:lstStyle/>
+          <a:p>
+            <a:r>
+              <a:rPr lang="es-PE">
+                <a:latin typeface="Times New Roman" panose="02020603050405020304" pitchFamily="18" charset="0"/>
+                <a:cs typeface="Times New Roman" panose="02020603050405020304" pitchFamily="18" charset="0"/>
+              </a:rPr>
+              <a:t>Expresión posfija: 45 * 15+ 41- - 45/+</a:t>
+            </a:r>
+          </a:p>
+        </p:txBody>
+      </p:sp>
+      <mc:AlternateContent xmlns:mc="http://schemas.openxmlformats.org/markup-compatibility/2006">
+        <mc:Choice xmlns:a14="http://schemas.microsoft.com/office/drawing/2010/main" Requires="a14">
+          <p:sp>
+            <p:nvSpPr>
+              <p:cNvPr id="8" name="CuadroTexto 7">
+                <a:extLst>
+                  <a:ext uri="{FF2B5EF4-FFF2-40B4-BE49-F238E27FC236}">
+                    <a16:creationId xmlns:a16="http://schemas.microsoft.com/office/drawing/2014/main" id="{47FA7748-9CFF-4686-A561-E0D345A3DB12}"/>
+                  </a:ext>
+                </a:extLst>
+              </p:cNvPr>
+              <p:cNvSpPr txBox="1"/>
+              <p:nvPr/>
+            </p:nvSpPr>
+            <p:spPr>
+              <a:xfrm>
+                <a:off x="355600" y="1180536"/>
+                <a:ext cx="3979487" cy="392287"/>
+              </a:xfrm>
+              <a:prstGeom prst="rect">
+                <a:avLst/>
+              </a:prstGeom>
+              <a:noFill/>
+            </p:spPr>
+            <p:txBody>
+              <a:bodyPr wrap="none" lIns="0" tIns="0" rIns="0" bIns="0" rtlCol="0">
+                <a:spAutoFit/>
+              </a:bodyPr>
+              <a:lstStyle/>
+              <a:p>
+                <a:pPr/>
+                <a:r>
+                  <a:rPr lang="es-PE" b="0">
+                    <a:latin typeface="Times New Roman" panose="02020603050405020304" pitchFamily="18" charset="0"/>
+                    <a:cs typeface="Times New Roman" panose="02020603050405020304" pitchFamily="18" charset="0"/>
+                  </a:rPr>
+                  <a:t>Expresión infija: </a:t>
+                </a:r>
+                <a14:m>
+                  <m:oMath xmlns:m="http://schemas.openxmlformats.org/officeDocument/2006/math">
+                    <m:r>
+                      <a:rPr lang="es-PE" b="0" i="1" smtClean="0">
+                        <a:latin typeface="Cambria Math" panose="02040503050406030204" pitchFamily="18" charset="0"/>
+                      </a:rPr>
+                      <m:t>4∗5+15−</m:t>
+                    </m:r>
+                    <m:d>
+                      <m:dPr>
+                        <m:ctrlPr>
+                          <a:rPr lang="es-PE" b="0" i="1" smtClean="0">
+                            <a:latin typeface="Cambria Math" panose="02040503050406030204" pitchFamily="18" charset="0"/>
+                          </a:rPr>
+                        </m:ctrlPr>
+                      </m:dPr>
+                      <m:e>
+                        <m:r>
+                          <a:rPr lang="es-PE" b="0" i="1" smtClean="0">
+                            <a:latin typeface="Cambria Math" panose="02040503050406030204" pitchFamily="18" charset="0"/>
+                          </a:rPr>
+                          <m:t>4−1</m:t>
+                        </m:r>
+                      </m:e>
+                    </m:d>
+                    <m:r>
+                      <a:rPr lang="es-PE" b="0" i="1" smtClean="0">
+                        <a:latin typeface="Cambria Math" panose="02040503050406030204" pitchFamily="18" charset="0"/>
+                      </a:rPr>
+                      <m:t>+</m:t>
+                    </m:r>
+                    <m:f>
+                      <m:fPr>
+                        <m:ctrlPr>
+                          <a:rPr lang="es-PE" b="0" i="1" smtClean="0">
+                            <a:latin typeface="Cambria Math" panose="02040503050406030204" pitchFamily="18" charset="0"/>
+                          </a:rPr>
+                        </m:ctrlPr>
+                      </m:fPr>
+                      <m:num>
+                        <m:r>
+                          <a:rPr lang="es-PE" b="0" i="1" smtClean="0">
+                            <a:latin typeface="Cambria Math" panose="02040503050406030204" pitchFamily="18" charset="0"/>
+                          </a:rPr>
+                          <m:t>4</m:t>
+                        </m:r>
+                      </m:num>
+                      <m:den>
+                        <m:r>
+                          <a:rPr lang="es-PE" b="0" i="1" smtClean="0">
+                            <a:latin typeface="Cambria Math" panose="02040503050406030204" pitchFamily="18" charset="0"/>
+                          </a:rPr>
+                          <m:t>5</m:t>
+                        </m:r>
+                      </m:den>
+                    </m:f>
+                  </m:oMath>
+                </a14:m>
+                <a:endParaRPr lang="es-PE"/>
+              </a:p>
+            </p:txBody>
+          </p:sp>
+        </mc:Choice>
+        <mc:Fallback>
+          <p:sp>
+            <p:nvSpPr>
+              <p:cNvPr id="8" name="CuadroTexto 7">
+                <a:extLst>
+                  <a:ext uri="{FF2B5EF4-FFF2-40B4-BE49-F238E27FC236}">
+                    <a16:creationId xmlns:a16="http://schemas.microsoft.com/office/drawing/2014/main" id="{47FA7748-9CFF-4686-A561-E0D345A3DB12}"/>
+                  </a:ext>
+                </a:extLst>
+              </p:cNvPr>
+              <p:cNvSpPr txBox="1">
+                <a:spLocks noRot="1" noChangeAspect="1" noMove="1" noResize="1" noEditPoints="1" noAdjustHandles="1" noChangeArrowheads="1" noChangeShapeType="1" noTextEdit="1"/>
+              </p:cNvSpPr>
+              <p:nvPr/>
+            </p:nvSpPr>
+            <p:spPr>
+              <a:xfrm>
+                <a:off x="355600" y="1180536"/>
+                <a:ext cx="3979487" cy="392287"/>
+              </a:xfrm>
+              <a:prstGeom prst="rect">
+                <a:avLst/>
+              </a:prstGeom>
+              <a:blipFill>
+                <a:blip r:embed="rId3"/>
+                <a:stretch>
+                  <a:fillRect l="-3522" t="-6250" r="-613" b="-20313"/>
+                </a:stretch>
+              </a:blipFill>
+            </p:spPr>
+            <p:txBody>
+              <a:bodyPr/>
+              <a:lstStyle/>
+              <a:p>
+                <a:r>
+                  <a:rPr lang="es-PE">
+                    <a:noFill/>
+                  </a:rPr>
+                  <a:t> </a:t>
+                </a:r>
+              </a:p>
+            </p:txBody>
+          </p:sp>
+        </mc:Fallback>
+      </mc:AlternateContent>
+      <p:cxnSp>
+        <p:nvCxnSpPr>
+          <p:cNvPr id="10" name="Conector recto de flecha 9">
+            <a:extLst>
+              <a:ext uri="{FF2B5EF4-FFF2-40B4-BE49-F238E27FC236}">
+                <a16:creationId xmlns:a16="http://schemas.microsoft.com/office/drawing/2014/main" id="{13FF2243-E737-40C5-ABAB-CD4B5450F03F}"/>
+              </a:ext>
+            </a:extLst>
+          </p:cNvPr>
+          <p:cNvCxnSpPr>
+            <a:cxnSpLocks/>
+          </p:cNvCxnSpPr>
+          <p:nvPr/>
+        </p:nvCxnSpPr>
+        <p:spPr>
+          <a:xfrm flipV="1">
+            <a:off x="2176992" y="1572823"/>
+            <a:ext cx="0" cy="285758"/>
+          </a:xfrm>
+          <a:prstGeom prst="straightConnector1">
+            <a:avLst/>
+          </a:prstGeom>
+          <a:ln w="38100">
+            <a:solidFill>
+              <a:schemeClr val="bg2">
+                <a:lumMod val="75000"/>
+              </a:schemeClr>
+            </a:solidFill>
+            <a:tailEnd type="triangle"/>
+          </a:ln>
+        </p:spPr>
+        <p:style>
+          <a:lnRef idx="1">
+            <a:schemeClr val="accent1"/>
+          </a:lnRef>
+          <a:fillRef idx="0">
+            <a:schemeClr val="accent1"/>
+          </a:fillRef>
+          <a:effectRef idx="0">
+            <a:schemeClr val="accent1"/>
+          </a:effectRef>
+          <a:fontRef idx="minor">
+            <a:schemeClr val="tx1"/>
+          </a:fontRef>
+        </p:style>
+      </p:cxnSp>
+      <p:graphicFrame>
+        <p:nvGraphicFramePr>
+          <p:cNvPr id="15" name="Tabla 3">
+            <a:extLst>
+              <a:ext uri="{FF2B5EF4-FFF2-40B4-BE49-F238E27FC236}">
+                <a16:creationId xmlns:a16="http://schemas.microsoft.com/office/drawing/2014/main" id="{2A6B51EE-58B2-4B05-B980-5697613CD6A2}"/>
+              </a:ext>
+            </a:extLst>
+          </p:cNvPr>
+          <p:cNvGraphicFramePr>
+            <a:graphicFrameLocks noGrp="1"/>
+          </p:cNvGraphicFramePr>
+          <p:nvPr>
+            <p:extLst>
+              <p:ext uri="{D42A27DB-BD31-4B8C-83A1-F6EECF244321}">
+                <p14:modId xmlns:p14="http://schemas.microsoft.com/office/powerpoint/2010/main" val="3518305803"/>
+              </p:ext>
+            </p:extLst>
+          </p:nvPr>
+        </p:nvGraphicFramePr>
+        <p:xfrm>
+          <a:off x="1244601" y="2703830"/>
+          <a:ext cx="592667" cy="2225040"/>
+        </p:xfrm>
+        <a:graphic>
+          <a:graphicData uri="http://schemas.openxmlformats.org/drawingml/2006/table">
+            <a:tbl>
+              <a:tblPr firstRow="1" bandRow="1">
+                <a:tableStyleId>{D7AC3CCA-C797-4891-BE02-D94E43425B78}</a:tableStyleId>
+              </a:tblPr>
+              <a:tblGrid>
+                <a:gridCol w="592667">
+                  <a:extLst>
+                    <a:ext uri="{9D8B030D-6E8A-4147-A177-3AD203B41FA5}">
+                      <a16:colId xmlns:a16="http://schemas.microsoft.com/office/drawing/2014/main" val="2141134815"/>
+                    </a:ext>
+                  </a:extLst>
+                </a:gridCol>
+              </a:tblGrid>
+              <a:tr h="370840">
+                <a:tc>
+                  <a:txBody>
+                    <a:bodyPr/>
+                    <a:lstStyle/>
+                    <a:p>
+                      <a:pPr algn="ctr"/>
+                      <a:endParaRPr lang="es-PE"/>
+                    </a:p>
+                  </a:txBody>
+                  <a:tcPr anchor="ctr">
+                    <a:noFill/>
+                  </a:tcPr>
+                </a:tc>
+                <a:extLst>
+                  <a:ext uri="{0D108BD9-81ED-4DB2-BD59-A6C34878D82A}">
+                    <a16:rowId xmlns:a16="http://schemas.microsoft.com/office/drawing/2014/main" val="3376352132"/>
+                  </a:ext>
+                </a:extLst>
+              </a:tr>
+              <a:tr h="370840">
+                <a:tc>
+                  <a:txBody>
+                    <a:bodyPr/>
+                    <a:lstStyle/>
+                    <a:p>
+                      <a:pPr algn="ctr"/>
+                      <a:endParaRPr lang="es-PE"/>
+                    </a:p>
+                  </a:txBody>
+                  <a:tcPr anchor="ctr">
+                    <a:noFill/>
+                  </a:tcPr>
+                </a:tc>
+                <a:extLst>
+                  <a:ext uri="{0D108BD9-81ED-4DB2-BD59-A6C34878D82A}">
+                    <a16:rowId xmlns:a16="http://schemas.microsoft.com/office/drawing/2014/main" val="1964234980"/>
+                  </a:ext>
+                </a:extLst>
+              </a:tr>
+              <a:tr h="370840">
+                <a:tc>
+                  <a:txBody>
+                    <a:bodyPr/>
+                    <a:lstStyle/>
+                    <a:p>
+                      <a:pPr algn="ctr"/>
+                      <a:endParaRPr lang="es-PE"/>
+                    </a:p>
+                  </a:txBody>
+                  <a:tcPr anchor="ctr">
+                    <a:noFill/>
+                  </a:tcPr>
+                </a:tc>
+                <a:extLst>
+                  <a:ext uri="{0D108BD9-81ED-4DB2-BD59-A6C34878D82A}">
+                    <a16:rowId xmlns:a16="http://schemas.microsoft.com/office/drawing/2014/main" val="4134296963"/>
+                  </a:ext>
+                </a:extLst>
+              </a:tr>
+              <a:tr h="370840">
+                <a:tc>
+                  <a:txBody>
+                    <a:bodyPr/>
+                    <a:lstStyle/>
+                    <a:p>
+                      <a:pPr algn="ctr"/>
+                      <a:endParaRPr lang="es-PE"/>
+                    </a:p>
+                  </a:txBody>
+                  <a:tcPr anchor="ctr">
+                    <a:noFill/>
+                  </a:tcPr>
+                </a:tc>
+                <a:extLst>
+                  <a:ext uri="{0D108BD9-81ED-4DB2-BD59-A6C34878D82A}">
+                    <a16:rowId xmlns:a16="http://schemas.microsoft.com/office/drawing/2014/main" val="3301726705"/>
+                  </a:ext>
+                </a:extLst>
+              </a:tr>
+              <a:tr h="370840">
+                <a:tc>
+                  <a:txBody>
+                    <a:bodyPr/>
+                    <a:lstStyle/>
+                    <a:p>
+                      <a:pPr algn="ctr"/>
+                      <a:endParaRPr lang="es-PE"/>
+                    </a:p>
+                  </a:txBody>
+                  <a:tcPr anchor="ctr">
+                    <a:noFill/>
+                  </a:tcPr>
+                </a:tc>
+                <a:extLst>
+                  <a:ext uri="{0D108BD9-81ED-4DB2-BD59-A6C34878D82A}">
+                    <a16:rowId xmlns:a16="http://schemas.microsoft.com/office/drawing/2014/main" val="3680721596"/>
+                  </a:ext>
+                </a:extLst>
+              </a:tr>
+              <a:tr h="370840">
+                <a:tc>
+                  <a:txBody>
+                    <a:bodyPr/>
+                    <a:lstStyle/>
+                    <a:p>
+                      <a:pPr algn="ctr"/>
+                      <a:r>
+                        <a:rPr lang="es-PE"/>
+                        <a:t>+</a:t>
+                      </a:r>
+                    </a:p>
+                  </a:txBody>
+                  <a:tcPr anchor="ctr">
+                    <a:noFill/>
+                  </a:tcPr>
+                </a:tc>
+                <a:extLst>
+                  <a:ext uri="{0D108BD9-81ED-4DB2-BD59-A6C34878D82A}">
+                    <a16:rowId xmlns:a16="http://schemas.microsoft.com/office/drawing/2014/main" val="2044636074"/>
+                  </a:ext>
+                </a:extLst>
+              </a:tr>
+            </a:tbl>
+          </a:graphicData>
+        </a:graphic>
+      </p:graphicFrame>
+      <p:cxnSp>
+        <p:nvCxnSpPr>
+          <p:cNvPr id="17" name="Conector recto de flecha 16">
+            <a:extLst>
+              <a:ext uri="{FF2B5EF4-FFF2-40B4-BE49-F238E27FC236}">
+                <a16:creationId xmlns:a16="http://schemas.microsoft.com/office/drawing/2014/main" id="{DEF6D20C-5CA8-4D46-AFE0-355BECCE3D63}"/>
+              </a:ext>
+            </a:extLst>
+          </p:cNvPr>
+          <p:cNvCxnSpPr>
+            <a:cxnSpLocks/>
+          </p:cNvCxnSpPr>
+          <p:nvPr/>
+        </p:nvCxnSpPr>
+        <p:spPr>
+          <a:xfrm flipV="1">
+            <a:off x="2519892" y="1572823"/>
+            <a:ext cx="0" cy="285758"/>
+          </a:xfrm>
+          <a:prstGeom prst="straightConnector1">
+            <a:avLst/>
+          </a:prstGeom>
+          <a:ln w="38100">
+            <a:solidFill>
+              <a:schemeClr val="bg2">
+                <a:lumMod val="75000"/>
+              </a:schemeClr>
+            </a:solidFill>
+            <a:tailEnd type="triangle"/>
+          </a:ln>
+        </p:spPr>
+        <p:style>
+          <a:lnRef idx="1">
+            <a:schemeClr val="accent1"/>
+          </a:lnRef>
+          <a:fillRef idx="0">
+            <a:schemeClr val="accent1"/>
+          </a:fillRef>
+          <a:effectRef idx="0">
+            <a:schemeClr val="accent1"/>
+          </a:effectRef>
+          <a:fontRef idx="minor">
+            <a:schemeClr val="tx1"/>
+          </a:fontRef>
+        </p:style>
+      </p:cxnSp>
+      <p:cxnSp>
+        <p:nvCxnSpPr>
+          <p:cNvPr id="18" name="Conector recto de flecha 17">
+            <a:extLst>
+              <a:ext uri="{FF2B5EF4-FFF2-40B4-BE49-F238E27FC236}">
+                <a16:creationId xmlns:a16="http://schemas.microsoft.com/office/drawing/2014/main" id="{2D8D3521-0943-408E-AB81-0CD9088DB6A6}"/>
+              </a:ext>
+            </a:extLst>
+          </p:cNvPr>
+          <p:cNvCxnSpPr>
+            <a:cxnSpLocks/>
+          </p:cNvCxnSpPr>
+          <p:nvPr/>
+        </p:nvCxnSpPr>
+        <p:spPr>
+          <a:xfrm flipV="1">
+            <a:off x="4036901" y="1572823"/>
+            <a:ext cx="0" cy="285758"/>
+          </a:xfrm>
+          <a:prstGeom prst="straightConnector1">
+            <a:avLst/>
+          </a:prstGeom>
+          <a:ln w="38100">
+            <a:solidFill>
+              <a:schemeClr val="bg2">
+                <a:lumMod val="75000"/>
+              </a:schemeClr>
+            </a:solidFill>
+            <a:tailEnd type="triangle"/>
+          </a:ln>
+        </p:spPr>
+        <p:style>
+          <a:lnRef idx="1">
+            <a:schemeClr val="accent1"/>
+          </a:lnRef>
+          <a:fillRef idx="0">
+            <a:schemeClr val="accent1"/>
+          </a:fillRef>
+          <a:effectRef idx="0">
+            <a:schemeClr val="accent1"/>
+          </a:effectRef>
+          <a:fontRef idx="minor">
+            <a:schemeClr val="tx1"/>
+          </a:fontRef>
+        </p:style>
+      </p:cxnSp>
+      <p:graphicFrame>
+        <p:nvGraphicFramePr>
+          <p:cNvPr id="19" name="Tabla 3">
+            <a:extLst>
+              <a:ext uri="{FF2B5EF4-FFF2-40B4-BE49-F238E27FC236}">
+                <a16:creationId xmlns:a16="http://schemas.microsoft.com/office/drawing/2014/main" id="{0C4084F1-0AF9-4816-B7C5-B6F9A9DBBEA7}"/>
+              </a:ext>
+            </a:extLst>
+          </p:cNvPr>
+          <p:cNvGraphicFramePr>
+            <a:graphicFrameLocks noGrp="1"/>
+          </p:cNvGraphicFramePr>
+          <p:nvPr>
+            <p:extLst>
+              <p:ext uri="{D42A27DB-BD31-4B8C-83A1-F6EECF244321}">
+                <p14:modId xmlns:p14="http://schemas.microsoft.com/office/powerpoint/2010/main" val="1279162284"/>
+              </p:ext>
+            </p:extLst>
+          </p:nvPr>
+        </p:nvGraphicFramePr>
+        <p:xfrm>
+          <a:off x="2000251" y="2703830"/>
+          <a:ext cx="592667" cy="2225040"/>
+        </p:xfrm>
+        <a:graphic>
+          <a:graphicData uri="http://schemas.openxmlformats.org/drawingml/2006/table">
+            <a:tbl>
+              <a:tblPr firstRow="1" bandRow="1">
+                <a:tableStyleId>{D7AC3CCA-C797-4891-BE02-D94E43425B78}</a:tableStyleId>
+              </a:tblPr>
+              <a:tblGrid>
+                <a:gridCol w="592667">
+                  <a:extLst>
+                    <a:ext uri="{9D8B030D-6E8A-4147-A177-3AD203B41FA5}">
+                      <a16:colId xmlns:a16="http://schemas.microsoft.com/office/drawing/2014/main" val="2141134815"/>
+                    </a:ext>
+                  </a:extLst>
+                </a:gridCol>
+              </a:tblGrid>
+              <a:tr h="370840">
+                <a:tc>
+                  <a:txBody>
+                    <a:bodyPr/>
+                    <a:lstStyle/>
+                    <a:p>
+                      <a:pPr algn="ctr"/>
+                      <a:endParaRPr lang="es-PE"/>
+                    </a:p>
+                  </a:txBody>
+                  <a:tcPr anchor="ctr">
+                    <a:noFill/>
+                  </a:tcPr>
+                </a:tc>
+                <a:extLst>
+                  <a:ext uri="{0D108BD9-81ED-4DB2-BD59-A6C34878D82A}">
+                    <a16:rowId xmlns:a16="http://schemas.microsoft.com/office/drawing/2014/main" val="3376352132"/>
+                  </a:ext>
+                </a:extLst>
+              </a:tr>
+              <a:tr h="370840">
+                <a:tc>
+                  <a:txBody>
+                    <a:bodyPr/>
+                    <a:lstStyle/>
+                    <a:p>
+                      <a:pPr algn="ctr"/>
+                      <a:endParaRPr lang="es-PE"/>
+                    </a:p>
+                  </a:txBody>
+                  <a:tcPr anchor="ctr">
+                    <a:noFill/>
+                  </a:tcPr>
+                </a:tc>
+                <a:extLst>
+                  <a:ext uri="{0D108BD9-81ED-4DB2-BD59-A6C34878D82A}">
+                    <a16:rowId xmlns:a16="http://schemas.microsoft.com/office/drawing/2014/main" val="1964234980"/>
+                  </a:ext>
+                </a:extLst>
+              </a:tr>
+              <a:tr h="370840">
+                <a:tc>
+                  <a:txBody>
+                    <a:bodyPr/>
+                    <a:lstStyle/>
+                    <a:p>
+                      <a:pPr algn="ctr"/>
+                      <a:endParaRPr lang="es-PE"/>
+                    </a:p>
+                  </a:txBody>
+                  <a:tcPr anchor="ctr">
+                    <a:noFill/>
+                  </a:tcPr>
+                </a:tc>
+                <a:extLst>
+                  <a:ext uri="{0D108BD9-81ED-4DB2-BD59-A6C34878D82A}">
+                    <a16:rowId xmlns:a16="http://schemas.microsoft.com/office/drawing/2014/main" val="4134296963"/>
+                  </a:ext>
+                </a:extLst>
+              </a:tr>
+              <a:tr h="370840">
+                <a:tc>
+                  <a:txBody>
+                    <a:bodyPr/>
+                    <a:lstStyle/>
+                    <a:p>
+                      <a:pPr algn="ctr"/>
+                      <a:endParaRPr lang="es-PE"/>
+                    </a:p>
+                  </a:txBody>
+                  <a:tcPr anchor="ctr">
+                    <a:noFill/>
+                  </a:tcPr>
+                </a:tc>
+                <a:extLst>
+                  <a:ext uri="{0D108BD9-81ED-4DB2-BD59-A6C34878D82A}">
+                    <a16:rowId xmlns:a16="http://schemas.microsoft.com/office/drawing/2014/main" val="3301726705"/>
+                  </a:ext>
+                </a:extLst>
+              </a:tr>
+              <a:tr h="370840">
+                <a:tc>
+                  <a:txBody>
+                    <a:bodyPr/>
+                    <a:lstStyle/>
+                    <a:p>
+                      <a:pPr algn="ctr"/>
+                      <a:r>
+                        <a:rPr lang="es-PE"/>
+                        <a:t>(</a:t>
+                      </a:r>
+                    </a:p>
+                  </a:txBody>
+                  <a:tcPr anchor="ctr">
+                    <a:noFill/>
+                  </a:tcPr>
+                </a:tc>
+                <a:extLst>
+                  <a:ext uri="{0D108BD9-81ED-4DB2-BD59-A6C34878D82A}">
+                    <a16:rowId xmlns:a16="http://schemas.microsoft.com/office/drawing/2014/main" val="3680721596"/>
+                  </a:ext>
+                </a:extLst>
+              </a:tr>
+              <a:tr h="370840">
+                <a:tc>
+                  <a:txBody>
+                    <a:bodyPr/>
+                    <a:lstStyle/>
+                    <a:p>
+                      <a:pPr algn="ctr"/>
+                      <a:r>
+                        <a:rPr lang="es-PE"/>
+                        <a:t>-</a:t>
+                      </a:r>
+                    </a:p>
+                  </a:txBody>
+                  <a:tcPr anchor="ctr">
+                    <a:noFill/>
+                  </a:tcPr>
+                </a:tc>
+                <a:extLst>
+                  <a:ext uri="{0D108BD9-81ED-4DB2-BD59-A6C34878D82A}">
+                    <a16:rowId xmlns:a16="http://schemas.microsoft.com/office/drawing/2014/main" val="2044636074"/>
+                  </a:ext>
+                </a:extLst>
+              </a:tr>
+            </a:tbl>
+          </a:graphicData>
+        </a:graphic>
+      </p:graphicFrame>
+      <p:graphicFrame>
+        <p:nvGraphicFramePr>
+          <p:cNvPr id="20" name="Tabla 3">
+            <a:extLst>
+              <a:ext uri="{FF2B5EF4-FFF2-40B4-BE49-F238E27FC236}">
+                <a16:creationId xmlns:a16="http://schemas.microsoft.com/office/drawing/2014/main" id="{FDF771E3-649A-41BA-B4BE-889968175B85}"/>
+              </a:ext>
+            </a:extLst>
+          </p:cNvPr>
+          <p:cNvGraphicFramePr>
+            <a:graphicFrameLocks noGrp="1"/>
+          </p:cNvGraphicFramePr>
+          <p:nvPr>
+            <p:extLst>
+              <p:ext uri="{D42A27DB-BD31-4B8C-83A1-F6EECF244321}">
+                <p14:modId xmlns:p14="http://schemas.microsoft.com/office/powerpoint/2010/main" val="3698595252"/>
+              </p:ext>
+            </p:extLst>
+          </p:nvPr>
+        </p:nvGraphicFramePr>
+        <p:xfrm>
+          <a:off x="2761046" y="2703830"/>
+          <a:ext cx="592667" cy="2225040"/>
+        </p:xfrm>
+        <a:graphic>
+          <a:graphicData uri="http://schemas.openxmlformats.org/drawingml/2006/table">
+            <a:tbl>
+              <a:tblPr firstRow="1" bandRow="1">
+                <a:tableStyleId>{D7AC3CCA-C797-4891-BE02-D94E43425B78}</a:tableStyleId>
+              </a:tblPr>
+              <a:tblGrid>
+                <a:gridCol w="592667">
+                  <a:extLst>
+                    <a:ext uri="{9D8B030D-6E8A-4147-A177-3AD203B41FA5}">
+                      <a16:colId xmlns:a16="http://schemas.microsoft.com/office/drawing/2014/main" val="2141134815"/>
+                    </a:ext>
+                  </a:extLst>
+                </a:gridCol>
+              </a:tblGrid>
+              <a:tr h="370840">
+                <a:tc>
+                  <a:txBody>
+                    <a:bodyPr/>
+                    <a:lstStyle/>
+                    <a:p>
+                      <a:pPr algn="ctr"/>
+                      <a:endParaRPr lang="es-PE"/>
+                    </a:p>
+                  </a:txBody>
+                  <a:tcPr anchor="ctr">
+                    <a:noFill/>
+                  </a:tcPr>
+                </a:tc>
+                <a:extLst>
+                  <a:ext uri="{0D108BD9-81ED-4DB2-BD59-A6C34878D82A}">
+                    <a16:rowId xmlns:a16="http://schemas.microsoft.com/office/drawing/2014/main" val="3376352132"/>
+                  </a:ext>
+                </a:extLst>
+              </a:tr>
+              <a:tr h="370840">
+                <a:tc>
+                  <a:txBody>
+                    <a:bodyPr/>
+                    <a:lstStyle/>
+                    <a:p>
+                      <a:pPr algn="ctr"/>
+                      <a:endParaRPr lang="es-PE"/>
+                    </a:p>
+                  </a:txBody>
+                  <a:tcPr anchor="ctr">
+                    <a:noFill/>
+                  </a:tcPr>
+                </a:tc>
+                <a:extLst>
+                  <a:ext uri="{0D108BD9-81ED-4DB2-BD59-A6C34878D82A}">
+                    <a16:rowId xmlns:a16="http://schemas.microsoft.com/office/drawing/2014/main" val="1964234980"/>
+                  </a:ext>
+                </a:extLst>
+              </a:tr>
+              <a:tr h="370840">
+                <a:tc>
+                  <a:txBody>
+                    <a:bodyPr/>
+                    <a:lstStyle/>
+                    <a:p>
+                      <a:pPr algn="ctr"/>
+                      <a:endParaRPr lang="es-PE"/>
+                    </a:p>
+                  </a:txBody>
+                  <a:tcPr anchor="ctr">
+                    <a:noFill/>
+                  </a:tcPr>
+                </a:tc>
+                <a:extLst>
+                  <a:ext uri="{0D108BD9-81ED-4DB2-BD59-A6C34878D82A}">
+                    <a16:rowId xmlns:a16="http://schemas.microsoft.com/office/drawing/2014/main" val="4134296963"/>
+                  </a:ext>
+                </a:extLst>
+              </a:tr>
+              <a:tr h="370840">
+                <a:tc>
+                  <a:txBody>
+                    <a:bodyPr/>
+                    <a:lstStyle/>
+                    <a:p>
+                      <a:pPr algn="ctr"/>
+                      <a:r>
+                        <a:rPr lang="es-PE"/>
+                        <a:t>-</a:t>
+                      </a:r>
+                    </a:p>
+                  </a:txBody>
+                  <a:tcPr anchor="ctr">
+                    <a:noFill/>
+                  </a:tcPr>
+                </a:tc>
+                <a:extLst>
+                  <a:ext uri="{0D108BD9-81ED-4DB2-BD59-A6C34878D82A}">
+                    <a16:rowId xmlns:a16="http://schemas.microsoft.com/office/drawing/2014/main" val="3301726705"/>
+                  </a:ext>
+                </a:extLst>
+              </a:tr>
+              <a:tr h="370840">
+                <a:tc>
+                  <a:txBody>
+                    <a:bodyPr/>
+                    <a:lstStyle/>
+                    <a:p>
+                      <a:pPr algn="ctr"/>
+                      <a:r>
+                        <a:rPr lang="es-PE"/>
+                        <a:t>(</a:t>
+                      </a:r>
+                    </a:p>
+                  </a:txBody>
+                  <a:tcPr anchor="ctr">
+                    <a:noFill/>
+                  </a:tcPr>
+                </a:tc>
+                <a:extLst>
+                  <a:ext uri="{0D108BD9-81ED-4DB2-BD59-A6C34878D82A}">
+                    <a16:rowId xmlns:a16="http://schemas.microsoft.com/office/drawing/2014/main" val="3680721596"/>
+                  </a:ext>
+                </a:extLst>
+              </a:tr>
+              <a:tr h="370840">
+                <a:tc>
+                  <a:txBody>
+                    <a:bodyPr/>
+                    <a:lstStyle/>
+                    <a:p>
+                      <a:pPr algn="ctr"/>
+                      <a:r>
+                        <a:rPr lang="es-PE"/>
+                        <a:t>-</a:t>
+                      </a:r>
+                    </a:p>
+                  </a:txBody>
+                  <a:tcPr anchor="ctr">
+                    <a:noFill/>
+                  </a:tcPr>
+                </a:tc>
+                <a:extLst>
+                  <a:ext uri="{0D108BD9-81ED-4DB2-BD59-A6C34878D82A}">
+                    <a16:rowId xmlns:a16="http://schemas.microsoft.com/office/drawing/2014/main" val="2044636074"/>
+                  </a:ext>
+                </a:extLst>
+              </a:tr>
+            </a:tbl>
+          </a:graphicData>
+        </a:graphic>
+      </p:graphicFrame>
+      <p:graphicFrame>
+        <p:nvGraphicFramePr>
+          <p:cNvPr id="21" name="Tabla 3">
+            <a:extLst>
+              <a:ext uri="{FF2B5EF4-FFF2-40B4-BE49-F238E27FC236}">
+                <a16:creationId xmlns:a16="http://schemas.microsoft.com/office/drawing/2014/main" id="{8CB2BD4B-6CB4-477E-B242-CB3F44B55DFA}"/>
+              </a:ext>
+            </a:extLst>
+          </p:cNvPr>
+          <p:cNvGraphicFramePr>
+            <a:graphicFrameLocks noGrp="1"/>
+          </p:cNvGraphicFramePr>
+          <p:nvPr>
+            <p:extLst>
+              <p:ext uri="{D42A27DB-BD31-4B8C-83A1-F6EECF244321}">
+                <p14:modId xmlns:p14="http://schemas.microsoft.com/office/powerpoint/2010/main" val="1262575171"/>
+              </p:ext>
+            </p:extLst>
+          </p:nvPr>
+        </p:nvGraphicFramePr>
+        <p:xfrm>
+          <a:off x="3503704" y="2703830"/>
+          <a:ext cx="592667" cy="2225040"/>
+        </p:xfrm>
+        <a:graphic>
+          <a:graphicData uri="http://schemas.openxmlformats.org/drawingml/2006/table">
+            <a:tbl>
+              <a:tblPr firstRow="1" bandRow="1">
+                <a:tableStyleId>{D7AC3CCA-C797-4891-BE02-D94E43425B78}</a:tableStyleId>
+              </a:tblPr>
+              <a:tblGrid>
+                <a:gridCol w="592667">
+                  <a:extLst>
+                    <a:ext uri="{9D8B030D-6E8A-4147-A177-3AD203B41FA5}">
+                      <a16:colId xmlns:a16="http://schemas.microsoft.com/office/drawing/2014/main" val="2141134815"/>
+                    </a:ext>
+                  </a:extLst>
+                </a:gridCol>
+              </a:tblGrid>
+              <a:tr h="370840">
+                <a:tc>
+                  <a:txBody>
+                    <a:bodyPr/>
+                    <a:lstStyle/>
+                    <a:p>
+                      <a:pPr algn="ctr"/>
+                      <a:endParaRPr lang="es-PE"/>
+                    </a:p>
+                  </a:txBody>
+                  <a:tcPr anchor="ctr">
+                    <a:noFill/>
+                  </a:tcPr>
+                </a:tc>
+                <a:extLst>
+                  <a:ext uri="{0D108BD9-81ED-4DB2-BD59-A6C34878D82A}">
+                    <a16:rowId xmlns:a16="http://schemas.microsoft.com/office/drawing/2014/main" val="3376352132"/>
+                  </a:ext>
+                </a:extLst>
+              </a:tr>
+              <a:tr h="370840">
+                <a:tc>
+                  <a:txBody>
+                    <a:bodyPr/>
+                    <a:lstStyle/>
+                    <a:p>
+                      <a:pPr algn="ctr"/>
+                      <a:endParaRPr lang="es-PE"/>
+                    </a:p>
+                  </a:txBody>
+                  <a:tcPr anchor="ctr">
+                    <a:noFill/>
+                  </a:tcPr>
+                </a:tc>
+                <a:extLst>
+                  <a:ext uri="{0D108BD9-81ED-4DB2-BD59-A6C34878D82A}">
+                    <a16:rowId xmlns:a16="http://schemas.microsoft.com/office/drawing/2014/main" val="1964234980"/>
+                  </a:ext>
+                </a:extLst>
+              </a:tr>
+              <a:tr h="370840">
+                <a:tc>
+                  <a:txBody>
+                    <a:bodyPr/>
+                    <a:lstStyle/>
+                    <a:p>
+                      <a:pPr algn="ctr"/>
+                      <a:endParaRPr lang="es-PE"/>
+                    </a:p>
+                  </a:txBody>
+                  <a:tcPr anchor="ctr">
+                    <a:noFill/>
+                  </a:tcPr>
+                </a:tc>
+                <a:extLst>
+                  <a:ext uri="{0D108BD9-81ED-4DB2-BD59-A6C34878D82A}">
+                    <a16:rowId xmlns:a16="http://schemas.microsoft.com/office/drawing/2014/main" val="4134296963"/>
+                  </a:ext>
+                </a:extLst>
+              </a:tr>
+              <a:tr h="370840">
+                <a:tc>
+                  <a:txBody>
+                    <a:bodyPr/>
+                    <a:lstStyle/>
+                    <a:p>
+                      <a:pPr algn="ctr"/>
+                      <a:endParaRPr lang="es-PE"/>
+                    </a:p>
+                  </a:txBody>
+                  <a:tcPr anchor="ctr">
+                    <a:noFill/>
+                  </a:tcPr>
+                </a:tc>
+                <a:extLst>
+                  <a:ext uri="{0D108BD9-81ED-4DB2-BD59-A6C34878D82A}">
+                    <a16:rowId xmlns:a16="http://schemas.microsoft.com/office/drawing/2014/main" val="3301726705"/>
+                  </a:ext>
+                </a:extLst>
+              </a:tr>
+              <a:tr h="370840">
+                <a:tc>
+                  <a:txBody>
+                    <a:bodyPr/>
+                    <a:lstStyle/>
+                    <a:p>
+                      <a:pPr algn="ctr"/>
+                      <a:endParaRPr lang="es-PE"/>
+                    </a:p>
+                  </a:txBody>
+                  <a:tcPr anchor="ctr">
+                    <a:noFill/>
+                  </a:tcPr>
+                </a:tc>
+                <a:extLst>
+                  <a:ext uri="{0D108BD9-81ED-4DB2-BD59-A6C34878D82A}">
+                    <a16:rowId xmlns:a16="http://schemas.microsoft.com/office/drawing/2014/main" val="3680721596"/>
+                  </a:ext>
+                </a:extLst>
+              </a:tr>
+              <a:tr h="370840">
+                <a:tc>
+                  <a:txBody>
+                    <a:bodyPr/>
+                    <a:lstStyle/>
+                    <a:p>
+                      <a:pPr algn="ctr"/>
+                      <a:r>
+                        <a:rPr lang="es-PE"/>
+                        <a:t>-</a:t>
+                      </a:r>
+                    </a:p>
+                  </a:txBody>
+                  <a:tcPr anchor="ctr">
+                    <a:noFill/>
+                  </a:tcPr>
+                </a:tc>
+                <a:extLst>
+                  <a:ext uri="{0D108BD9-81ED-4DB2-BD59-A6C34878D82A}">
+                    <a16:rowId xmlns:a16="http://schemas.microsoft.com/office/drawing/2014/main" val="2044636074"/>
+                  </a:ext>
+                </a:extLst>
+              </a:tr>
+            </a:tbl>
+          </a:graphicData>
+        </a:graphic>
+      </p:graphicFrame>
+      <p:graphicFrame>
+        <p:nvGraphicFramePr>
+          <p:cNvPr id="23" name="Tabla 3">
+            <a:extLst>
+              <a:ext uri="{FF2B5EF4-FFF2-40B4-BE49-F238E27FC236}">
+                <a16:creationId xmlns:a16="http://schemas.microsoft.com/office/drawing/2014/main" id="{D1306E45-8367-4BC3-9E55-E559EEF7A43D}"/>
+              </a:ext>
+            </a:extLst>
+          </p:cNvPr>
+          <p:cNvGraphicFramePr>
+            <a:graphicFrameLocks noGrp="1"/>
+          </p:cNvGraphicFramePr>
+          <p:nvPr>
+            <p:extLst>
+              <p:ext uri="{D42A27DB-BD31-4B8C-83A1-F6EECF244321}">
+                <p14:modId xmlns:p14="http://schemas.microsoft.com/office/powerpoint/2010/main" val="2484949584"/>
+              </p:ext>
+            </p:extLst>
+          </p:nvPr>
+        </p:nvGraphicFramePr>
+        <p:xfrm>
+          <a:off x="4246362" y="2703830"/>
+          <a:ext cx="592667" cy="2225040"/>
+        </p:xfrm>
+        <a:graphic>
+          <a:graphicData uri="http://schemas.openxmlformats.org/drawingml/2006/table">
+            <a:tbl>
+              <a:tblPr firstRow="1" bandRow="1">
+                <a:tableStyleId>{D7AC3CCA-C797-4891-BE02-D94E43425B78}</a:tableStyleId>
+              </a:tblPr>
+              <a:tblGrid>
+                <a:gridCol w="592667">
+                  <a:extLst>
+                    <a:ext uri="{9D8B030D-6E8A-4147-A177-3AD203B41FA5}">
+                      <a16:colId xmlns:a16="http://schemas.microsoft.com/office/drawing/2014/main" val="2141134815"/>
+                    </a:ext>
+                  </a:extLst>
+                </a:gridCol>
+              </a:tblGrid>
+              <a:tr h="370840">
+                <a:tc>
+                  <a:txBody>
+                    <a:bodyPr/>
+                    <a:lstStyle/>
+                    <a:p>
+                      <a:pPr algn="ctr"/>
+                      <a:endParaRPr lang="es-PE"/>
+                    </a:p>
+                  </a:txBody>
+                  <a:tcPr anchor="ctr">
+                    <a:noFill/>
+                  </a:tcPr>
+                </a:tc>
+                <a:extLst>
+                  <a:ext uri="{0D108BD9-81ED-4DB2-BD59-A6C34878D82A}">
+                    <a16:rowId xmlns:a16="http://schemas.microsoft.com/office/drawing/2014/main" val="3376352132"/>
+                  </a:ext>
+                </a:extLst>
+              </a:tr>
+              <a:tr h="370840">
+                <a:tc>
+                  <a:txBody>
+                    <a:bodyPr/>
+                    <a:lstStyle/>
+                    <a:p>
+                      <a:pPr algn="ctr"/>
+                      <a:endParaRPr lang="es-PE"/>
+                    </a:p>
+                  </a:txBody>
+                  <a:tcPr anchor="ctr">
+                    <a:noFill/>
+                  </a:tcPr>
+                </a:tc>
+                <a:extLst>
+                  <a:ext uri="{0D108BD9-81ED-4DB2-BD59-A6C34878D82A}">
+                    <a16:rowId xmlns:a16="http://schemas.microsoft.com/office/drawing/2014/main" val="1964234980"/>
+                  </a:ext>
+                </a:extLst>
+              </a:tr>
+              <a:tr h="370840">
+                <a:tc>
+                  <a:txBody>
+                    <a:bodyPr/>
+                    <a:lstStyle/>
+                    <a:p>
+                      <a:pPr algn="ctr"/>
+                      <a:endParaRPr lang="es-PE"/>
+                    </a:p>
+                  </a:txBody>
+                  <a:tcPr anchor="ctr">
+                    <a:noFill/>
+                  </a:tcPr>
+                </a:tc>
+                <a:extLst>
+                  <a:ext uri="{0D108BD9-81ED-4DB2-BD59-A6C34878D82A}">
+                    <a16:rowId xmlns:a16="http://schemas.microsoft.com/office/drawing/2014/main" val="4134296963"/>
+                  </a:ext>
+                </a:extLst>
+              </a:tr>
+              <a:tr h="370840">
+                <a:tc>
+                  <a:txBody>
+                    <a:bodyPr/>
+                    <a:lstStyle/>
+                    <a:p>
+                      <a:pPr algn="ctr"/>
+                      <a:endParaRPr lang="es-PE"/>
+                    </a:p>
+                  </a:txBody>
+                  <a:tcPr anchor="ctr">
+                    <a:noFill/>
+                  </a:tcPr>
+                </a:tc>
+                <a:extLst>
+                  <a:ext uri="{0D108BD9-81ED-4DB2-BD59-A6C34878D82A}">
+                    <a16:rowId xmlns:a16="http://schemas.microsoft.com/office/drawing/2014/main" val="3301726705"/>
+                  </a:ext>
+                </a:extLst>
+              </a:tr>
+              <a:tr h="370840">
+                <a:tc>
+                  <a:txBody>
+                    <a:bodyPr/>
+                    <a:lstStyle/>
+                    <a:p>
+                      <a:pPr algn="ctr"/>
+                      <a:endParaRPr lang="es-PE"/>
+                    </a:p>
+                  </a:txBody>
+                  <a:tcPr anchor="ctr">
+                    <a:noFill/>
+                  </a:tcPr>
+                </a:tc>
+                <a:extLst>
+                  <a:ext uri="{0D108BD9-81ED-4DB2-BD59-A6C34878D82A}">
+                    <a16:rowId xmlns:a16="http://schemas.microsoft.com/office/drawing/2014/main" val="3680721596"/>
+                  </a:ext>
+                </a:extLst>
+              </a:tr>
+              <a:tr h="370840">
+                <a:tc>
+                  <a:txBody>
+                    <a:bodyPr/>
+                    <a:lstStyle/>
+                    <a:p>
+                      <a:pPr algn="ctr"/>
+                      <a:r>
+                        <a:rPr lang="es-PE"/>
+                        <a:t>+</a:t>
+                      </a:r>
+                    </a:p>
+                  </a:txBody>
+                  <a:tcPr anchor="ctr">
+                    <a:noFill/>
+                  </a:tcPr>
+                </a:tc>
+                <a:extLst>
+                  <a:ext uri="{0D108BD9-81ED-4DB2-BD59-A6C34878D82A}">
+                    <a16:rowId xmlns:a16="http://schemas.microsoft.com/office/drawing/2014/main" val="2044636074"/>
+                  </a:ext>
+                </a:extLst>
+              </a:tr>
+            </a:tbl>
+          </a:graphicData>
+        </a:graphic>
+      </p:graphicFrame>
+      <p:graphicFrame>
+        <p:nvGraphicFramePr>
+          <p:cNvPr id="24" name="Tabla 3">
+            <a:extLst>
+              <a:ext uri="{FF2B5EF4-FFF2-40B4-BE49-F238E27FC236}">
+                <a16:creationId xmlns:a16="http://schemas.microsoft.com/office/drawing/2014/main" id="{5DBB364A-7E6C-4595-928E-B3BAEAF89DAA}"/>
+              </a:ext>
+            </a:extLst>
+          </p:cNvPr>
+          <p:cNvGraphicFramePr>
+            <a:graphicFrameLocks noGrp="1"/>
+          </p:cNvGraphicFramePr>
+          <p:nvPr>
+            <p:extLst>
+              <p:ext uri="{D42A27DB-BD31-4B8C-83A1-F6EECF244321}">
+                <p14:modId xmlns:p14="http://schemas.microsoft.com/office/powerpoint/2010/main" val="528037537"/>
+              </p:ext>
+            </p:extLst>
+          </p:nvPr>
+        </p:nvGraphicFramePr>
+        <p:xfrm>
+          <a:off x="4989020" y="2703830"/>
+          <a:ext cx="592667" cy="2225040"/>
+        </p:xfrm>
+        <a:graphic>
+          <a:graphicData uri="http://schemas.openxmlformats.org/drawingml/2006/table">
+            <a:tbl>
+              <a:tblPr firstRow="1" bandRow="1">
+                <a:tableStyleId>{D7AC3CCA-C797-4891-BE02-D94E43425B78}</a:tableStyleId>
+              </a:tblPr>
+              <a:tblGrid>
+                <a:gridCol w="592667">
+                  <a:extLst>
+                    <a:ext uri="{9D8B030D-6E8A-4147-A177-3AD203B41FA5}">
+                      <a16:colId xmlns:a16="http://schemas.microsoft.com/office/drawing/2014/main" val="2141134815"/>
+                    </a:ext>
+                  </a:extLst>
+                </a:gridCol>
+              </a:tblGrid>
+              <a:tr h="370840">
+                <a:tc>
+                  <a:txBody>
+                    <a:bodyPr/>
+                    <a:lstStyle/>
+                    <a:p>
+                      <a:pPr algn="ctr"/>
+                      <a:endParaRPr lang="es-PE"/>
+                    </a:p>
+                  </a:txBody>
+                  <a:tcPr anchor="ctr">
+                    <a:noFill/>
+                  </a:tcPr>
+                </a:tc>
+                <a:extLst>
+                  <a:ext uri="{0D108BD9-81ED-4DB2-BD59-A6C34878D82A}">
+                    <a16:rowId xmlns:a16="http://schemas.microsoft.com/office/drawing/2014/main" val="3376352132"/>
+                  </a:ext>
+                </a:extLst>
+              </a:tr>
+              <a:tr h="370840">
+                <a:tc>
+                  <a:txBody>
+                    <a:bodyPr/>
+                    <a:lstStyle/>
+                    <a:p>
+                      <a:pPr algn="ctr"/>
+                      <a:endParaRPr lang="es-PE"/>
+                    </a:p>
+                  </a:txBody>
+                  <a:tcPr anchor="ctr">
+                    <a:noFill/>
+                  </a:tcPr>
+                </a:tc>
+                <a:extLst>
+                  <a:ext uri="{0D108BD9-81ED-4DB2-BD59-A6C34878D82A}">
+                    <a16:rowId xmlns:a16="http://schemas.microsoft.com/office/drawing/2014/main" val="1964234980"/>
+                  </a:ext>
+                </a:extLst>
+              </a:tr>
+              <a:tr h="370840">
+                <a:tc>
+                  <a:txBody>
+                    <a:bodyPr/>
+                    <a:lstStyle/>
+                    <a:p>
+                      <a:pPr algn="ctr"/>
+                      <a:endParaRPr lang="es-PE"/>
+                    </a:p>
+                  </a:txBody>
+                  <a:tcPr anchor="ctr">
+                    <a:noFill/>
+                  </a:tcPr>
+                </a:tc>
+                <a:extLst>
+                  <a:ext uri="{0D108BD9-81ED-4DB2-BD59-A6C34878D82A}">
+                    <a16:rowId xmlns:a16="http://schemas.microsoft.com/office/drawing/2014/main" val="4134296963"/>
+                  </a:ext>
+                </a:extLst>
+              </a:tr>
+              <a:tr h="370840">
+                <a:tc>
+                  <a:txBody>
+                    <a:bodyPr/>
+                    <a:lstStyle/>
+                    <a:p>
+                      <a:pPr algn="ctr"/>
+                      <a:endParaRPr lang="es-PE"/>
+                    </a:p>
+                  </a:txBody>
+                  <a:tcPr anchor="ctr">
+                    <a:noFill/>
+                  </a:tcPr>
+                </a:tc>
+                <a:extLst>
+                  <a:ext uri="{0D108BD9-81ED-4DB2-BD59-A6C34878D82A}">
+                    <a16:rowId xmlns:a16="http://schemas.microsoft.com/office/drawing/2014/main" val="3301726705"/>
+                  </a:ext>
+                </a:extLst>
+              </a:tr>
+              <a:tr h="370840">
+                <a:tc>
+                  <a:txBody>
+                    <a:bodyPr/>
+                    <a:lstStyle/>
+                    <a:p>
+                      <a:pPr algn="ctr"/>
+                      <a:r>
+                        <a:rPr lang="es-PE"/>
+                        <a:t>/</a:t>
+                      </a:r>
+                    </a:p>
+                  </a:txBody>
+                  <a:tcPr anchor="ctr">
+                    <a:noFill/>
+                  </a:tcPr>
+                </a:tc>
+                <a:extLst>
+                  <a:ext uri="{0D108BD9-81ED-4DB2-BD59-A6C34878D82A}">
+                    <a16:rowId xmlns:a16="http://schemas.microsoft.com/office/drawing/2014/main" val="3680721596"/>
+                  </a:ext>
+                </a:extLst>
+              </a:tr>
+              <a:tr h="370840">
+                <a:tc>
+                  <a:txBody>
+                    <a:bodyPr/>
+                    <a:lstStyle/>
+                    <a:p>
+                      <a:pPr algn="ctr"/>
+                      <a:r>
+                        <a:rPr lang="es-PE"/>
+                        <a:t>+</a:t>
+                      </a:r>
+                    </a:p>
+                  </a:txBody>
+                  <a:tcPr anchor="ctr">
+                    <a:noFill/>
+                  </a:tcPr>
+                </a:tc>
+                <a:extLst>
+                  <a:ext uri="{0D108BD9-81ED-4DB2-BD59-A6C34878D82A}">
+                    <a16:rowId xmlns:a16="http://schemas.microsoft.com/office/drawing/2014/main" val="2044636074"/>
+                  </a:ext>
+                </a:extLst>
+              </a:tr>
+            </a:tbl>
+          </a:graphicData>
+        </a:graphic>
+      </p:graphicFrame>
+      <p:cxnSp>
+        <p:nvCxnSpPr>
+          <p:cNvPr id="25" name="Conector recto de flecha 24">
+            <a:extLst>
+              <a:ext uri="{FF2B5EF4-FFF2-40B4-BE49-F238E27FC236}">
+                <a16:creationId xmlns:a16="http://schemas.microsoft.com/office/drawing/2014/main" id="{BA878C6F-1C70-41D4-82BD-C7EBB9CDA43B}"/>
+              </a:ext>
+            </a:extLst>
+          </p:cNvPr>
+          <p:cNvCxnSpPr>
+            <a:cxnSpLocks/>
+          </p:cNvCxnSpPr>
+          <p:nvPr/>
+        </p:nvCxnSpPr>
+        <p:spPr>
+          <a:xfrm flipV="1">
+            <a:off x="3093926" y="1572823"/>
+            <a:ext cx="0" cy="285758"/>
+          </a:xfrm>
+          <a:prstGeom prst="straightConnector1">
+            <a:avLst/>
+          </a:prstGeom>
+          <a:ln w="38100">
+            <a:solidFill>
+              <a:schemeClr val="bg2">
+                <a:lumMod val="75000"/>
+              </a:schemeClr>
+            </a:solidFill>
+            <a:tailEnd type="triangle"/>
+          </a:ln>
+        </p:spPr>
+        <p:style>
+          <a:lnRef idx="1">
+            <a:schemeClr val="accent1"/>
+          </a:lnRef>
+          <a:fillRef idx="0">
+            <a:schemeClr val="accent1"/>
+          </a:fillRef>
+          <a:effectRef idx="0">
+            <a:schemeClr val="accent1"/>
+          </a:effectRef>
+          <a:fontRef idx="minor">
+            <a:schemeClr val="tx1"/>
+          </a:fontRef>
+        </p:style>
+      </p:cxnSp>
+      <p:cxnSp>
+        <p:nvCxnSpPr>
+          <p:cNvPr id="26" name="Conector recto de flecha 25">
+            <a:extLst>
+              <a:ext uri="{FF2B5EF4-FFF2-40B4-BE49-F238E27FC236}">
+                <a16:creationId xmlns:a16="http://schemas.microsoft.com/office/drawing/2014/main" id="{D2F96E32-3E7D-40F6-82C9-DD9D9C5D051C}"/>
+              </a:ext>
+            </a:extLst>
+          </p:cNvPr>
+          <p:cNvCxnSpPr>
+            <a:cxnSpLocks/>
+          </p:cNvCxnSpPr>
+          <p:nvPr/>
+        </p:nvCxnSpPr>
+        <p:spPr>
+          <a:xfrm flipV="1">
+            <a:off x="3284426" y="1572823"/>
+            <a:ext cx="0" cy="285758"/>
+          </a:xfrm>
+          <a:prstGeom prst="straightConnector1">
+            <a:avLst/>
+          </a:prstGeom>
+          <a:ln w="38100">
+            <a:solidFill>
+              <a:schemeClr val="bg2">
+                <a:lumMod val="75000"/>
+              </a:schemeClr>
+            </a:solidFill>
+            <a:tailEnd type="triangle"/>
+          </a:ln>
+        </p:spPr>
+        <p:style>
+          <a:lnRef idx="1">
+            <a:schemeClr val="accent1"/>
+          </a:lnRef>
+          <a:fillRef idx="0">
+            <a:schemeClr val="accent1"/>
+          </a:fillRef>
+          <a:effectRef idx="0">
+            <a:schemeClr val="accent1"/>
+          </a:effectRef>
+          <a:fontRef idx="minor">
+            <a:schemeClr val="tx1"/>
+          </a:fontRef>
+        </p:style>
+      </p:cxnSp>
+      <p:cxnSp>
+        <p:nvCxnSpPr>
+          <p:cNvPr id="27" name="Conector recto de flecha 26">
+            <a:extLst>
+              <a:ext uri="{FF2B5EF4-FFF2-40B4-BE49-F238E27FC236}">
+                <a16:creationId xmlns:a16="http://schemas.microsoft.com/office/drawing/2014/main" id="{1A65945E-F811-4CD9-9D12-4FC0FAEC8F13}"/>
+              </a:ext>
+            </a:extLst>
+          </p:cNvPr>
+          <p:cNvCxnSpPr>
+            <a:cxnSpLocks/>
+          </p:cNvCxnSpPr>
+          <p:nvPr/>
+        </p:nvCxnSpPr>
+        <p:spPr>
+          <a:xfrm flipV="1">
+            <a:off x="3598751" y="1572823"/>
+            <a:ext cx="0" cy="285758"/>
+          </a:xfrm>
+          <a:prstGeom prst="straightConnector1">
+            <a:avLst/>
+          </a:prstGeom>
+          <a:ln w="38100">
+            <a:solidFill>
+              <a:schemeClr val="bg2">
+                <a:lumMod val="75000"/>
+              </a:schemeClr>
+            </a:solidFill>
+            <a:tailEnd type="triangle"/>
+          </a:ln>
+        </p:spPr>
+        <p:style>
+          <a:lnRef idx="1">
+            <a:schemeClr val="accent1"/>
+          </a:lnRef>
+          <a:fillRef idx="0">
+            <a:schemeClr val="accent1"/>
+          </a:fillRef>
+          <a:effectRef idx="0">
+            <a:schemeClr val="accent1"/>
+          </a:effectRef>
+          <a:fontRef idx="minor">
+            <a:schemeClr val="tx1"/>
+          </a:fontRef>
+        </p:style>
+      </p:cxnSp>
+      <p:cxnSp>
+        <p:nvCxnSpPr>
+          <p:cNvPr id="28" name="Conector recto de flecha 27">
+            <a:extLst>
+              <a:ext uri="{FF2B5EF4-FFF2-40B4-BE49-F238E27FC236}">
+                <a16:creationId xmlns:a16="http://schemas.microsoft.com/office/drawing/2014/main" id="{F81C2D0E-18A1-449B-A785-50EFDFC6C34A}"/>
+              </a:ext>
+            </a:extLst>
+          </p:cNvPr>
+          <p:cNvCxnSpPr>
+            <a:cxnSpLocks/>
+          </p:cNvCxnSpPr>
+          <p:nvPr/>
+        </p:nvCxnSpPr>
+        <p:spPr>
+          <a:xfrm flipV="1">
+            <a:off x="3884501" y="1572823"/>
+            <a:ext cx="0" cy="285758"/>
+          </a:xfrm>
+          <a:prstGeom prst="straightConnector1">
+            <a:avLst/>
+          </a:prstGeom>
+          <a:ln w="38100">
+            <a:solidFill>
+              <a:schemeClr val="bg2">
+                <a:lumMod val="75000"/>
+              </a:schemeClr>
+            </a:solidFill>
+            <a:tailEnd type="triangle"/>
+          </a:ln>
+        </p:spPr>
+        <p:style>
+          <a:lnRef idx="1">
+            <a:schemeClr val="accent1"/>
+          </a:lnRef>
+          <a:fillRef idx="0">
+            <a:schemeClr val="accent1"/>
+          </a:fillRef>
+          <a:effectRef idx="0">
+            <a:schemeClr val="accent1"/>
+          </a:effectRef>
+          <a:fontRef idx="minor">
+            <a:schemeClr val="tx1"/>
+          </a:fontRef>
+        </p:style>
+      </p:cxnSp>
+      <p:cxnSp>
+        <p:nvCxnSpPr>
+          <p:cNvPr id="29" name="Conector recto de flecha 28">
+            <a:extLst>
+              <a:ext uri="{FF2B5EF4-FFF2-40B4-BE49-F238E27FC236}">
+                <a16:creationId xmlns:a16="http://schemas.microsoft.com/office/drawing/2014/main" id="{67CC938A-C6C9-4F16-AE2F-4D1A10632946}"/>
+              </a:ext>
+            </a:extLst>
+          </p:cNvPr>
+          <p:cNvCxnSpPr>
+            <a:cxnSpLocks/>
+          </p:cNvCxnSpPr>
+          <p:nvPr/>
+        </p:nvCxnSpPr>
+        <p:spPr>
+          <a:xfrm flipV="1">
+            <a:off x="4282763" y="1572823"/>
+            <a:ext cx="0" cy="285758"/>
+          </a:xfrm>
+          <a:prstGeom prst="straightConnector1">
+            <a:avLst/>
+          </a:prstGeom>
+          <a:ln w="38100">
+            <a:solidFill>
+              <a:srgbClr val="FF0000"/>
+            </a:solidFill>
+            <a:tailEnd type="triangle"/>
+          </a:ln>
+        </p:spPr>
+        <p:style>
+          <a:lnRef idx="1">
+            <a:schemeClr val="accent1"/>
+          </a:lnRef>
+          <a:fillRef idx="0">
+            <a:schemeClr val="accent1"/>
+          </a:fillRef>
+          <a:effectRef idx="0">
+            <a:schemeClr val="accent1"/>
+          </a:effectRef>
+          <a:fontRef idx="minor">
+            <a:schemeClr val="tx1"/>
+          </a:fontRef>
+        </p:style>
+      </p:cxnSp>
+      <mc:AlternateContent xmlns:mc="http://schemas.openxmlformats.org/markup-compatibility/2006">
+        <mc:Choice xmlns:p14="http://schemas.microsoft.com/office/powerpoint/2010/main" Requires="p14">
+          <p:contentPart p14:bwMode="auto" r:id="rId4">
+            <p14:nvContentPartPr>
+              <p14:cNvPr id="30" name="Entrada de lápiz 29">
+                <a:extLst>
+                  <a:ext uri="{FF2B5EF4-FFF2-40B4-BE49-F238E27FC236}">
+                    <a16:creationId xmlns:a16="http://schemas.microsoft.com/office/drawing/2014/main" id="{B6B9562C-1EE4-4027-9428-8FAFFC53E69C}"/>
+                  </a:ext>
+                </a:extLst>
+              </p14:cNvPr>
+              <p14:cNvContentPartPr/>
+              <p14:nvPr/>
+            </p14:nvContentPartPr>
+            <p14:xfrm>
+              <a:off x="5843476" y="1180536"/>
+              <a:ext cx="360" cy="5323680"/>
+            </p14:xfrm>
+          </p:contentPart>
+        </mc:Choice>
+        <mc:Fallback>
+          <p:pic>
+            <p:nvPicPr>
+              <p:cNvPr id="30" name="Entrada de lápiz 29">
+                <a:extLst>
+                  <a:ext uri="{FF2B5EF4-FFF2-40B4-BE49-F238E27FC236}">
+                    <a16:creationId xmlns:a16="http://schemas.microsoft.com/office/drawing/2014/main" id="{B6B9562C-1EE4-4027-9428-8FAFFC53E69C}"/>
+                  </a:ext>
+                </a:extLst>
+              </p:cNvPr>
+              <p:cNvPicPr/>
+              <p:nvPr/>
+            </p:nvPicPr>
+            <p:blipFill>
+              <a:blip r:embed="rId5"/>
+              <a:stretch>
+                <a:fillRect/>
+              </a:stretch>
+            </p:blipFill>
+            <p:spPr>
+              <a:xfrm>
+                <a:off x="5825476" y="1162536"/>
+                <a:ext cx="36000" cy="5359320"/>
+              </a:xfrm>
+              <a:prstGeom prst="rect">
+                <a:avLst/>
+              </a:prstGeom>
+            </p:spPr>
+          </p:pic>
+        </mc:Fallback>
+      </mc:AlternateContent>
+      <p:graphicFrame>
+        <p:nvGraphicFramePr>
+          <p:cNvPr id="31" name="Tabla 3">
+            <a:extLst>
+              <a:ext uri="{FF2B5EF4-FFF2-40B4-BE49-F238E27FC236}">
+                <a16:creationId xmlns:a16="http://schemas.microsoft.com/office/drawing/2014/main" id="{876E0B5E-F809-4B70-A48F-2239F975AFD5}"/>
+              </a:ext>
+            </a:extLst>
+          </p:cNvPr>
+          <p:cNvGraphicFramePr>
+            <a:graphicFrameLocks noGrp="1"/>
+          </p:cNvGraphicFramePr>
+          <p:nvPr>
+            <p:extLst>
+              <p:ext uri="{D42A27DB-BD31-4B8C-83A1-F6EECF244321}">
+                <p14:modId xmlns:p14="http://schemas.microsoft.com/office/powerpoint/2010/main" val="4289319867"/>
+              </p:ext>
+            </p:extLst>
+          </p:nvPr>
+        </p:nvGraphicFramePr>
+        <p:xfrm>
+          <a:off x="6230450" y="2703830"/>
+          <a:ext cx="592667" cy="2225040"/>
+        </p:xfrm>
+        <a:graphic>
+          <a:graphicData uri="http://schemas.openxmlformats.org/drawingml/2006/table">
+            <a:tbl>
+              <a:tblPr firstRow="1" bandRow="1">
+                <a:tableStyleId>{D7AC3CCA-C797-4891-BE02-D94E43425B78}</a:tableStyleId>
+              </a:tblPr>
+              <a:tblGrid>
+                <a:gridCol w="592667">
+                  <a:extLst>
+                    <a:ext uri="{9D8B030D-6E8A-4147-A177-3AD203B41FA5}">
+                      <a16:colId xmlns:a16="http://schemas.microsoft.com/office/drawing/2014/main" val="2141134815"/>
+                    </a:ext>
+                  </a:extLst>
+                </a:gridCol>
+              </a:tblGrid>
+              <a:tr h="370840">
+                <a:tc>
+                  <a:txBody>
+                    <a:bodyPr/>
+                    <a:lstStyle/>
+                    <a:p>
+                      <a:pPr algn="ctr"/>
+                      <a:endParaRPr lang="es-PE"/>
+                    </a:p>
+                  </a:txBody>
+                  <a:tcPr anchor="ctr">
+                    <a:noFill/>
+                  </a:tcPr>
+                </a:tc>
+                <a:extLst>
+                  <a:ext uri="{0D108BD9-81ED-4DB2-BD59-A6C34878D82A}">
+                    <a16:rowId xmlns:a16="http://schemas.microsoft.com/office/drawing/2014/main" val="3376352132"/>
+                  </a:ext>
+                </a:extLst>
+              </a:tr>
+              <a:tr h="370840">
+                <a:tc>
+                  <a:txBody>
+                    <a:bodyPr/>
+                    <a:lstStyle/>
+                    <a:p>
+                      <a:pPr algn="ctr"/>
+                      <a:endParaRPr lang="es-PE"/>
+                    </a:p>
+                  </a:txBody>
+                  <a:tcPr anchor="ctr">
+                    <a:noFill/>
+                  </a:tcPr>
+                </a:tc>
+                <a:extLst>
+                  <a:ext uri="{0D108BD9-81ED-4DB2-BD59-A6C34878D82A}">
+                    <a16:rowId xmlns:a16="http://schemas.microsoft.com/office/drawing/2014/main" val="1964234980"/>
+                  </a:ext>
+                </a:extLst>
+              </a:tr>
+              <a:tr h="370840">
+                <a:tc>
+                  <a:txBody>
+                    <a:bodyPr/>
+                    <a:lstStyle/>
+                    <a:p>
+                      <a:pPr algn="ctr"/>
+                      <a:endParaRPr lang="es-PE"/>
+                    </a:p>
+                  </a:txBody>
+                  <a:tcPr anchor="ctr">
+                    <a:noFill/>
+                  </a:tcPr>
+                </a:tc>
+                <a:extLst>
+                  <a:ext uri="{0D108BD9-81ED-4DB2-BD59-A6C34878D82A}">
+                    <a16:rowId xmlns:a16="http://schemas.microsoft.com/office/drawing/2014/main" val="4134296963"/>
+                  </a:ext>
+                </a:extLst>
+              </a:tr>
+              <a:tr h="370840">
+                <a:tc>
+                  <a:txBody>
+                    <a:bodyPr/>
+                    <a:lstStyle/>
+                    <a:p>
+                      <a:pPr algn="ctr"/>
+                      <a:endParaRPr lang="es-PE"/>
+                    </a:p>
+                  </a:txBody>
+                  <a:tcPr anchor="ctr">
+                    <a:noFill/>
+                  </a:tcPr>
+                </a:tc>
+                <a:extLst>
+                  <a:ext uri="{0D108BD9-81ED-4DB2-BD59-A6C34878D82A}">
+                    <a16:rowId xmlns:a16="http://schemas.microsoft.com/office/drawing/2014/main" val="3301726705"/>
+                  </a:ext>
+                </a:extLst>
+              </a:tr>
+              <a:tr h="370840">
+                <a:tc>
+                  <a:txBody>
+                    <a:bodyPr/>
+                    <a:lstStyle/>
+                    <a:p>
+                      <a:pPr algn="ctr"/>
+                      <a:r>
+                        <a:rPr lang="es-PE"/>
+                        <a:t>5</a:t>
+                      </a:r>
+                    </a:p>
+                  </a:txBody>
+                  <a:tcPr anchor="ctr">
+                    <a:noFill/>
+                  </a:tcPr>
+                </a:tc>
+                <a:extLst>
+                  <a:ext uri="{0D108BD9-81ED-4DB2-BD59-A6C34878D82A}">
+                    <a16:rowId xmlns:a16="http://schemas.microsoft.com/office/drawing/2014/main" val="3680721596"/>
+                  </a:ext>
+                </a:extLst>
+              </a:tr>
+              <a:tr h="370840">
+                <a:tc>
+                  <a:txBody>
+                    <a:bodyPr/>
+                    <a:lstStyle/>
+                    <a:p>
+                      <a:pPr algn="ctr"/>
+                      <a:r>
+                        <a:rPr lang="es-PE"/>
+                        <a:t>4</a:t>
+                      </a:r>
+                    </a:p>
+                  </a:txBody>
+                  <a:tcPr anchor="ctr">
+                    <a:noFill/>
+                  </a:tcPr>
+                </a:tc>
+                <a:extLst>
+                  <a:ext uri="{0D108BD9-81ED-4DB2-BD59-A6C34878D82A}">
+                    <a16:rowId xmlns:a16="http://schemas.microsoft.com/office/drawing/2014/main" val="2044636074"/>
+                  </a:ext>
+                </a:extLst>
+              </a:tr>
+            </a:tbl>
+          </a:graphicData>
+        </a:graphic>
+      </p:graphicFrame>
+      <p:sp>
+        <p:nvSpPr>
+          <p:cNvPr id="32" name="CuadroTexto 31">
+            <a:extLst>
+              <a:ext uri="{FF2B5EF4-FFF2-40B4-BE49-F238E27FC236}">
+                <a16:creationId xmlns:a16="http://schemas.microsoft.com/office/drawing/2014/main" id="{D27B7FAE-66EA-4D34-BCFB-F0D6677E9B45}"/>
+              </a:ext>
+            </a:extLst>
+          </p:cNvPr>
+          <p:cNvSpPr txBox="1"/>
+          <p:nvPr/>
+        </p:nvSpPr>
+        <p:spPr>
+          <a:xfrm>
+            <a:off x="6044686" y="1180536"/>
+            <a:ext cx="3733714" cy="369332"/>
+          </a:xfrm>
+          <a:prstGeom prst="rect">
+            <a:avLst/>
+          </a:prstGeom>
+          <a:noFill/>
+        </p:spPr>
+        <p:txBody>
+          <a:bodyPr wrap="none" rtlCol="0">
+            <a:spAutoFit/>
+          </a:bodyPr>
+          <a:lstStyle/>
+          <a:p>
+            <a:r>
+              <a:rPr lang="es-PE">
+                <a:latin typeface="Times New Roman" panose="02020603050405020304" pitchFamily="18" charset="0"/>
+                <a:cs typeface="Times New Roman" panose="02020603050405020304" pitchFamily="18" charset="0"/>
+              </a:rPr>
+              <a:t>Expresión posfija: 45 * 15+ 41- - 45/+</a:t>
+            </a:r>
+          </a:p>
+        </p:txBody>
+      </p:sp>
+      <p:cxnSp>
+        <p:nvCxnSpPr>
+          <p:cNvPr id="34" name="Conector recto de flecha 33">
+            <a:extLst>
+              <a:ext uri="{FF2B5EF4-FFF2-40B4-BE49-F238E27FC236}">
+                <a16:creationId xmlns:a16="http://schemas.microsoft.com/office/drawing/2014/main" id="{4DF576DC-1BB9-4CDD-8C5D-2C04ED46864A}"/>
+              </a:ext>
+            </a:extLst>
+          </p:cNvPr>
+          <p:cNvCxnSpPr>
+            <a:cxnSpLocks/>
+          </p:cNvCxnSpPr>
+          <p:nvPr/>
+        </p:nvCxnSpPr>
+        <p:spPr>
+          <a:xfrm flipV="1">
+            <a:off x="8193699" y="1549868"/>
+            <a:ext cx="0" cy="285758"/>
+          </a:xfrm>
+          <a:prstGeom prst="straightConnector1">
+            <a:avLst/>
+          </a:prstGeom>
+          <a:ln w="38100">
+            <a:solidFill>
+              <a:schemeClr val="bg2">
+                <a:lumMod val="75000"/>
+              </a:schemeClr>
+            </a:solidFill>
+            <a:tailEnd type="triangle"/>
+          </a:ln>
+        </p:spPr>
+        <p:style>
+          <a:lnRef idx="1">
+            <a:schemeClr val="accent1"/>
+          </a:lnRef>
+          <a:fillRef idx="0">
+            <a:schemeClr val="accent1"/>
+          </a:fillRef>
+          <a:effectRef idx="0">
+            <a:schemeClr val="accent1"/>
+          </a:effectRef>
+          <a:fontRef idx="minor">
+            <a:schemeClr val="tx1"/>
+          </a:fontRef>
+        </p:style>
+      </p:cxnSp>
+      <p:graphicFrame>
+        <p:nvGraphicFramePr>
+          <p:cNvPr id="35" name="Tabla 3">
+            <a:extLst>
+              <a:ext uri="{FF2B5EF4-FFF2-40B4-BE49-F238E27FC236}">
+                <a16:creationId xmlns:a16="http://schemas.microsoft.com/office/drawing/2014/main" id="{DEF21616-528B-4603-A644-B487AE987EB3}"/>
+              </a:ext>
+            </a:extLst>
+          </p:cNvPr>
+          <p:cNvGraphicFramePr>
+            <a:graphicFrameLocks noGrp="1"/>
+          </p:cNvGraphicFramePr>
+          <p:nvPr>
+            <p:extLst>
+              <p:ext uri="{D42A27DB-BD31-4B8C-83A1-F6EECF244321}">
+                <p14:modId xmlns:p14="http://schemas.microsoft.com/office/powerpoint/2010/main" val="1294460115"/>
+              </p:ext>
+            </p:extLst>
+          </p:nvPr>
+        </p:nvGraphicFramePr>
+        <p:xfrm>
+          <a:off x="6986100" y="2703830"/>
+          <a:ext cx="592667" cy="2225040"/>
+        </p:xfrm>
+        <a:graphic>
+          <a:graphicData uri="http://schemas.openxmlformats.org/drawingml/2006/table">
+            <a:tbl>
+              <a:tblPr firstRow="1" bandRow="1">
+                <a:tableStyleId>{D7AC3CCA-C797-4891-BE02-D94E43425B78}</a:tableStyleId>
+              </a:tblPr>
+              <a:tblGrid>
+                <a:gridCol w="592667">
+                  <a:extLst>
+                    <a:ext uri="{9D8B030D-6E8A-4147-A177-3AD203B41FA5}">
+                      <a16:colId xmlns:a16="http://schemas.microsoft.com/office/drawing/2014/main" val="2141134815"/>
+                    </a:ext>
+                  </a:extLst>
+                </a:gridCol>
+              </a:tblGrid>
+              <a:tr h="370840">
+                <a:tc>
+                  <a:txBody>
+                    <a:bodyPr/>
+                    <a:lstStyle/>
+                    <a:p>
+                      <a:pPr algn="ctr"/>
+                      <a:endParaRPr lang="es-PE"/>
+                    </a:p>
+                  </a:txBody>
+                  <a:tcPr anchor="ctr">
+                    <a:noFill/>
+                  </a:tcPr>
+                </a:tc>
+                <a:extLst>
+                  <a:ext uri="{0D108BD9-81ED-4DB2-BD59-A6C34878D82A}">
+                    <a16:rowId xmlns:a16="http://schemas.microsoft.com/office/drawing/2014/main" val="3376352132"/>
+                  </a:ext>
+                </a:extLst>
+              </a:tr>
+              <a:tr h="370840">
+                <a:tc>
+                  <a:txBody>
+                    <a:bodyPr/>
+                    <a:lstStyle/>
+                    <a:p>
+                      <a:pPr algn="ctr"/>
+                      <a:endParaRPr lang="es-PE"/>
+                    </a:p>
+                  </a:txBody>
+                  <a:tcPr anchor="ctr">
+                    <a:noFill/>
+                  </a:tcPr>
+                </a:tc>
+                <a:extLst>
+                  <a:ext uri="{0D108BD9-81ED-4DB2-BD59-A6C34878D82A}">
+                    <a16:rowId xmlns:a16="http://schemas.microsoft.com/office/drawing/2014/main" val="1964234980"/>
+                  </a:ext>
+                </a:extLst>
+              </a:tr>
+              <a:tr h="370840">
+                <a:tc>
+                  <a:txBody>
+                    <a:bodyPr/>
+                    <a:lstStyle/>
+                    <a:p>
+                      <a:pPr algn="ctr"/>
+                      <a:endParaRPr lang="es-PE"/>
+                    </a:p>
+                  </a:txBody>
+                  <a:tcPr anchor="ctr">
+                    <a:noFill/>
+                  </a:tcPr>
+                </a:tc>
+                <a:extLst>
+                  <a:ext uri="{0D108BD9-81ED-4DB2-BD59-A6C34878D82A}">
+                    <a16:rowId xmlns:a16="http://schemas.microsoft.com/office/drawing/2014/main" val="4134296963"/>
+                  </a:ext>
+                </a:extLst>
+              </a:tr>
+              <a:tr h="370840">
+                <a:tc>
+                  <a:txBody>
+                    <a:bodyPr/>
+                    <a:lstStyle/>
+                    <a:p>
+                      <a:pPr algn="ctr"/>
+                      <a:endParaRPr lang="es-PE"/>
+                    </a:p>
+                  </a:txBody>
+                  <a:tcPr anchor="ctr">
+                    <a:noFill/>
+                  </a:tcPr>
+                </a:tc>
+                <a:extLst>
+                  <a:ext uri="{0D108BD9-81ED-4DB2-BD59-A6C34878D82A}">
+                    <a16:rowId xmlns:a16="http://schemas.microsoft.com/office/drawing/2014/main" val="3301726705"/>
+                  </a:ext>
+                </a:extLst>
+              </a:tr>
+              <a:tr h="370840">
+                <a:tc>
+                  <a:txBody>
+                    <a:bodyPr/>
+                    <a:lstStyle/>
+                    <a:p>
+                      <a:pPr algn="ctr"/>
+                      <a:r>
+                        <a:rPr lang="es-PE"/>
+                        <a:t>15</a:t>
+                      </a:r>
+                    </a:p>
+                  </a:txBody>
+                  <a:tcPr anchor="ctr">
+                    <a:noFill/>
+                  </a:tcPr>
+                </a:tc>
+                <a:extLst>
+                  <a:ext uri="{0D108BD9-81ED-4DB2-BD59-A6C34878D82A}">
+                    <a16:rowId xmlns:a16="http://schemas.microsoft.com/office/drawing/2014/main" val="3680721596"/>
+                  </a:ext>
+                </a:extLst>
+              </a:tr>
+              <a:tr h="370840">
+                <a:tc>
+                  <a:txBody>
+                    <a:bodyPr/>
+                    <a:lstStyle/>
+                    <a:p>
+                      <a:pPr algn="ctr"/>
+                      <a:r>
+                        <a:rPr lang="es-PE"/>
+                        <a:t>20</a:t>
+                      </a:r>
+                    </a:p>
+                  </a:txBody>
+                  <a:tcPr anchor="ctr">
+                    <a:noFill/>
+                  </a:tcPr>
+                </a:tc>
+                <a:extLst>
+                  <a:ext uri="{0D108BD9-81ED-4DB2-BD59-A6C34878D82A}">
+                    <a16:rowId xmlns:a16="http://schemas.microsoft.com/office/drawing/2014/main" val="2044636074"/>
+                  </a:ext>
+                </a:extLst>
+              </a:tr>
+            </a:tbl>
+          </a:graphicData>
+        </a:graphic>
+      </p:graphicFrame>
+      <p:cxnSp>
+        <p:nvCxnSpPr>
+          <p:cNvPr id="36" name="Conector recto de flecha 35">
+            <a:extLst>
+              <a:ext uri="{FF2B5EF4-FFF2-40B4-BE49-F238E27FC236}">
+                <a16:creationId xmlns:a16="http://schemas.microsoft.com/office/drawing/2014/main" id="{120940B9-05FA-4AAC-8EC7-2F3257588740}"/>
+              </a:ext>
+            </a:extLst>
+          </p:cNvPr>
+          <p:cNvCxnSpPr>
+            <a:cxnSpLocks/>
+          </p:cNvCxnSpPr>
+          <p:nvPr/>
+        </p:nvCxnSpPr>
+        <p:spPr>
+          <a:xfrm flipV="1">
+            <a:off x="8613816" y="1549868"/>
+            <a:ext cx="0" cy="285758"/>
+          </a:xfrm>
+          <a:prstGeom prst="straightConnector1">
+            <a:avLst/>
+          </a:prstGeom>
+          <a:ln w="38100">
+            <a:solidFill>
+              <a:schemeClr val="bg2">
+                <a:lumMod val="75000"/>
+              </a:schemeClr>
+            </a:solidFill>
+            <a:tailEnd type="triangle"/>
+          </a:ln>
+        </p:spPr>
+        <p:style>
+          <a:lnRef idx="1">
+            <a:schemeClr val="accent1"/>
+          </a:lnRef>
+          <a:fillRef idx="0">
+            <a:schemeClr val="accent1"/>
+          </a:fillRef>
+          <a:effectRef idx="0">
+            <a:schemeClr val="accent1"/>
+          </a:effectRef>
+          <a:fontRef idx="minor">
+            <a:schemeClr val="tx1"/>
+          </a:fontRef>
+        </p:style>
+      </p:cxnSp>
+      <p:graphicFrame>
+        <p:nvGraphicFramePr>
+          <p:cNvPr id="38" name="Tabla 3">
+            <a:extLst>
+              <a:ext uri="{FF2B5EF4-FFF2-40B4-BE49-F238E27FC236}">
+                <a16:creationId xmlns:a16="http://schemas.microsoft.com/office/drawing/2014/main" id="{48E0DC08-C2A2-4B6F-9540-5E8D913C29FA}"/>
+              </a:ext>
+            </a:extLst>
+          </p:cNvPr>
+          <p:cNvGraphicFramePr>
+            <a:graphicFrameLocks noGrp="1"/>
+          </p:cNvGraphicFramePr>
+          <p:nvPr>
+            <p:extLst>
+              <p:ext uri="{D42A27DB-BD31-4B8C-83A1-F6EECF244321}">
+                <p14:modId xmlns:p14="http://schemas.microsoft.com/office/powerpoint/2010/main" val="4002119068"/>
+              </p:ext>
+            </p:extLst>
+          </p:nvPr>
+        </p:nvGraphicFramePr>
+        <p:xfrm>
+          <a:off x="7741750" y="2703830"/>
+          <a:ext cx="592667" cy="2225040"/>
+        </p:xfrm>
+        <a:graphic>
+          <a:graphicData uri="http://schemas.openxmlformats.org/drawingml/2006/table">
+            <a:tbl>
+              <a:tblPr firstRow="1" bandRow="1">
+                <a:tableStyleId>{D7AC3CCA-C797-4891-BE02-D94E43425B78}</a:tableStyleId>
+              </a:tblPr>
+              <a:tblGrid>
+                <a:gridCol w="592667">
+                  <a:extLst>
+                    <a:ext uri="{9D8B030D-6E8A-4147-A177-3AD203B41FA5}">
+                      <a16:colId xmlns:a16="http://schemas.microsoft.com/office/drawing/2014/main" val="2141134815"/>
+                    </a:ext>
+                  </a:extLst>
+                </a:gridCol>
+              </a:tblGrid>
+              <a:tr h="370840">
+                <a:tc>
+                  <a:txBody>
+                    <a:bodyPr/>
+                    <a:lstStyle/>
+                    <a:p>
+                      <a:pPr algn="ctr"/>
+                      <a:endParaRPr lang="es-PE"/>
+                    </a:p>
+                  </a:txBody>
+                  <a:tcPr anchor="ctr">
+                    <a:noFill/>
+                  </a:tcPr>
+                </a:tc>
+                <a:extLst>
+                  <a:ext uri="{0D108BD9-81ED-4DB2-BD59-A6C34878D82A}">
+                    <a16:rowId xmlns:a16="http://schemas.microsoft.com/office/drawing/2014/main" val="3376352132"/>
+                  </a:ext>
+                </a:extLst>
+              </a:tr>
+              <a:tr h="370840">
+                <a:tc>
+                  <a:txBody>
+                    <a:bodyPr/>
+                    <a:lstStyle/>
+                    <a:p>
+                      <a:pPr algn="ctr"/>
+                      <a:endParaRPr lang="es-PE"/>
+                    </a:p>
+                  </a:txBody>
+                  <a:tcPr anchor="ctr">
+                    <a:noFill/>
+                  </a:tcPr>
+                </a:tc>
+                <a:extLst>
+                  <a:ext uri="{0D108BD9-81ED-4DB2-BD59-A6C34878D82A}">
+                    <a16:rowId xmlns:a16="http://schemas.microsoft.com/office/drawing/2014/main" val="1964234980"/>
+                  </a:ext>
+                </a:extLst>
+              </a:tr>
+              <a:tr h="370840">
+                <a:tc>
+                  <a:txBody>
+                    <a:bodyPr/>
+                    <a:lstStyle/>
+                    <a:p>
+                      <a:pPr algn="ctr"/>
+                      <a:endParaRPr lang="es-PE"/>
+                    </a:p>
+                  </a:txBody>
+                  <a:tcPr anchor="ctr">
+                    <a:noFill/>
+                  </a:tcPr>
+                </a:tc>
+                <a:extLst>
+                  <a:ext uri="{0D108BD9-81ED-4DB2-BD59-A6C34878D82A}">
+                    <a16:rowId xmlns:a16="http://schemas.microsoft.com/office/drawing/2014/main" val="4134296963"/>
+                  </a:ext>
+                </a:extLst>
+              </a:tr>
+              <a:tr h="370840">
+                <a:tc>
+                  <a:txBody>
+                    <a:bodyPr/>
+                    <a:lstStyle/>
+                    <a:p>
+                      <a:pPr algn="ctr"/>
+                      <a:r>
+                        <a:rPr lang="es-PE"/>
+                        <a:t>1</a:t>
+                      </a:r>
+                    </a:p>
+                  </a:txBody>
+                  <a:tcPr anchor="ctr">
+                    <a:noFill/>
+                  </a:tcPr>
+                </a:tc>
+                <a:extLst>
+                  <a:ext uri="{0D108BD9-81ED-4DB2-BD59-A6C34878D82A}">
+                    <a16:rowId xmlns:a16="http://schemas.microsoft.com/office/drawing/2014/main" val="3301726705"/>
+                  </a:ext>
+                </a:extLst>
+              </a:tr>
+              <a:tr h="370840">
+                <a:tc>
+                  <a:txBody>
+                    <a:bodyPr/>
+                    <a:lstStyle/>
+                    <a:p>
+                      <a:pPr algn="ctr"/>
+                      <a:r>
+                        <a:rPr lang="es-PE"/>
+                        <a:t>4</a:t>
+                      </a:r>
+                    </a:p>
+                  </a:txBody>
+                  <a:tcPr anchor="ctr">
+                    <a:noFill/>
+                  </a:tcPr>
+                </a:tc>
+                <a:extLst>
+                  <a:ext uri="{0D108BD9-81ED-4DB2-BD59-A6C34878D82A}">
+                    <a16:rowId xmlns:a16="http://schemas.microsoft.com/office/drawing/2014/main" val="3680721596"/>
+                  </a:ext>
+                </a:extLst>
+              </a:tr>
+              <a:tr h="370840">
+                <a:tc>
+                  <a:txBody>
+                    <a:bodyPr/>
+                    <a:lstStyle/>
+                    <a:p>
+                      <a:pPr algn="ctr"/>
+                      <a:r>
+                        <a:rPr lang="es-PE"/>
+                        <a:t>35</a:t>
+                      </a:r>
+                    </a:p>
+                  </a:txBody>
+                  <a:tcPr anchor="ctr">
+                    <a:noFill/>
+                  </a:tcPr>
+                </a:tc>
+                <a:extLst>
+                  <a:ext uri="{0D108BD9-81ED-4DB2-BD59-A6C34878D82A}">
+                    <a16:rowId xmlns:a16="http://schemas.microsoft.com/office/drawing/2014/main" val="2044636074"/>
+                  </a:ext>
+                </a:extLst>
+              </a:tr>
+            </a:tbl>
+          </a:graphicData>
+        </a:graphic>
+      </p:graphicFrame>
+      <p:graphicFrame>
+        <p:nvGraphicFramePr>
+          <p:cNvPr id="39" name="Tabla 3">
+            <a:extLst>
+              <a:ext uri="{FF2B5EF4-FFF2-40B4-BE49-F238E27FC236}">
+                <a16:creationId xmlns:a16="http://schemas.microsoft.com/office/drawing/2014/main" id="{95A61ECF-E2AF-4C64-B387-F1C31145FF28}"/>
+              </a:ext>
+            </a:extLst>
+          </p:cNvPr>
+          <p:cNvGraphicFramePr>
+            <a:graphicFrameLocks noGrp="1"/>
+          </p:cNvGraphicFramePr>
+          <p:nvPr>
+            <p:extLst>
+              <p:ext uri="{D42A27DB-BD31-4B8C-83A1-F6EECF244321}">
+                <p14:modId xmlns:p14="http://schemas.microsoft.com/office/powerpoint/2010/main" val="2676876230"/>
+              </p:ext>
+            </p:extLst>
+          </p:nvPr>
+        </p:nvGraphicFramePr>
+        <p:xfrm>
+          <a:off x="8502545" y="2703830"/>
+          <a:ext cx="592667" cy="2225040"/>
+        </p:xfrm>
+        <a:graphic>
+          <a:graphicData uri="http://schemas.openxmlformats.org/drawingml/2006/table">
+            <a:tbl>
+              <a:tblPr firstRow="1" bandRow="1">
+                <a:tableStyleId>{D7AC3CCA-C797-4891-BE02-D94E43425B78}</a:tableStyleId>
+              </a:tblPr>
+              <a:tblGrid>
+                <a:gridCol w="592667">
+                  <a:extLst>
+                    <a:ext uri="{9D8B030D-6E8A-4147-A177-3AD203B41FA5}">
+                      <a16:colId xmlns:a16="http://schemas.microsoft.com/office/drawing/2014/main" val="2141134815"/>
+                    </a:ext>
+                  </a:extLst>
+                </a:gridCol>
+              </a:tblGrid>
+              <a:tr h="370840">
+                <a:tc>
+                  <a:txBody>
+                    <a:bodyPr/>
+                    <a:lstStyle/>
+                    <a:p>
+                      <a:pPr algn="ctr"/>
+                      <a:endParaRPr lang="es-PE"/>
+                    </a:p>
+                  </a:txBody>
+                  <a:tcPr anchor="ctr">
+                    <a:noFill/>
+                  </a:tcPr>
+                </a:tc>
+                <a:extLst>
+                  <a:ext uri="{0D108BD9-81ED-4DB2-BD59-A6C34878D82A}">
+                    <a16:rowId xmlns:a16="http://schemas.microsoft.com/office/drawing/2014/main" val="3376352132"/>
+                  </a:ext>
+                </a:extLst>
+              </a:tr>
+              <a:tr h="370840">
+                <a:tc>
+                  <a:txBody>
+                    <a:bodyPr/>
+                    <a:lstStyle/>
+                    <a:p>
+                      <a:pPr algn="ctr"/>
+                      <a:endParaRPr lang="es-PE"/>
+                    </a:p>
+                  </a:txBody>
+                  <a:tcPr anchor="ctr">
+                    <a:noFill/>
+                  </a:tcPr>
+                </a:tc>
+                <a:extLst>
+                  <a:ext uri="{0D108BD9-81ED-4DB2-BD59-A6C34878D82A}">
+                    <a16:rowId xmlns:a16="http://schemas.microsoft.com/office/drawing/2014/main" val="1964234980"/>
+                  </a:ext>
+                </a:extLst>
+              </a:tr>
+              <a:tr h="370840">
+                <a:tc>
+                  <a:txBody>
+                    <a:bodyPr/>
+                    <a:lstStyle/>
+                    <a:p>
+                      <a:pPr algn="ctr"/>
+                      <a:endParaRPr lang="es-PE"/>
+                    </a:p>
+                  </a:txBody>
+                  <a:tcPr anchor="ctr">
+                    <a:noFill/>
+                  </a:tcPr>
+                </a:tc>
+                <a:extLst>
+                  <a:ext uri="{0D108BD9-81ED-4DB2-BD59-A6C34878D82A}">
+                    <a16:rowId xmlns:a16="http://schemas.microsoft.com/office/drawing/2014/main" val="4134296963"/>
+                  </a:ext>
+                </a:extLst>
+              </a:tr>
+              <a:tr h="370840">
+                <a:tc>
+                  <a:txBody>
+                    <a:bodyPr/>
+                    <a:lstStyle/>
+                    <a:p>
+                      <a:pPr algn="ctr"/>
+                      <a:endParaRPr lang="es-PE"/>
+                    </a:p>
+                  </a:txBody>
+                  <a:tcPr anchor="ctr">
+                    <a:noFill/>
+                  </a:tcPr>
+                </a:tc>
+                <a:extLst>
+                  <a:ext uri="{0D108BD9-81ED-4DB2-BD59-A6C34878D82A}">
+                    <a16:rowId xmlns:a16="http://schemas.microsoft.com/office/drawing/2014/main" val="3301726705"/>
+                  </a:ext>
+                </a:extLst>
+              </a:tr>
+              <a:tr h="370840">
+                <a:tc>
+                  <a:txBody>
+                    <a:bodyPr/>
+                    <a:lstStyle/>
+                    <a:p>
+                      <a:pPr algn="ctr"/>
+                      <a:r>
+                        <a:rPr lang="es-PE"/>
+                        <a:t>3</a:t>
+                      </a:r>
+                    </a:p>
+                  </a:txBody>
+                  <a:tcPr anchor="ctr">
+                    <a:noFill/>
+                  </a:tcPr>
+                </a:tc>
+                <a:extLst>
+                  <a:ext uri="{0D108BD9-81ED-4DB2-BD59-A6C34878D82A}">
+                    <a16:rowId xmlns:a16="http://schemas.microsoft.com/office/drawing/2014/main" val="3680721596"/>
+                  </a:ext>
+                </a:extLst>
+              </a:tr>
+              <a:tr h="370840">
+                <a:tc>
+                  <a:txBody>
+                    <a:bodyPr/>
+                    <a:lstStyle/>
+                    <a:p>
+                      <a:pPr algn="ctr"/>
+                      <a:r>
+                        <a:rPr lang="es-PE"/>
+                        <a:t>35</a:t>
+                      </a:r>
+                    </a:p>
+                  </a:txBody>
+                  <a:tcPr anchor="ctr">
+                    <a:noFill/>
+                  </a:tcPr>
+                </a:tc>
+                <a:extLst>
+                  <a:ext uri="{0D108BD9-81ED-4DB2-BD59-A6C34878D82A}">
+                    <a16:rowId xmlns:a16="http://schemas.microsoft.com/office/drawing/2014/main" val="2044636074"/>
+                  </a:ext>
+                </a:extLst>
+              </a:tr>
+            </a:tbl>
+          </a:graphicData>
+        </a:graphic>
+      </p:graphicFrame>
+      <p:graphicFrame>
+        <p:nvGraphicFramePr>
+          <p:cNvPr id="40" name="Tabla 3">
+            <a:extLst>
+              <a:ext uri="{FF2B5EF4-FFF2-40B4-BE49-F238E27FC236}">
+                <a16:creationId xmlns:a16="http://schemas.microsoft.com/office/drawing/2014/main" id="{5AB1C6AD-07D8-4FED-AFE1-3F4E61C497E7}"/>
+              </a:ext>
+            </a:extLst>
+          </p:cNvPr>
+          <p:cNvGraphicFramePr>
+            <a:graphicFrameLocks noGrp="1"/>
+          </p:cNvGraphicFramePr>
+          <p:nvPr>
+            <p:extLst>
+              <p:ext uri="{D42A27DB-BD31-4B8C-83A1-F6EECF244321}">
+                <p14:modId xmlns:p14="http://schemas.microsoft.com/office/powerpoint/2010/main" val="2017268608"/>
+              </p:ext>
+            </p:extLst>
+          </p:nvPr>
+        </p:nvGraphicFramePr>
+        <p:xfrm>
+          <a:off x="9245203" y="2703830"/>
+          <a:ext cx="592667" cy="2225040"/>
+        </p:xfrm>
+        <a:graphic>
+          <a:graphicData uri="http://schemas.openxmlformats.org/drawingml/2006/table">
+            <a:tbl>
+              <a:tblPr firstRow="1" bandRow="1">
+                <a:tableStyleId>{D7AC3CCA-C797-4891-BE02-D94E43425B78}</a:tableStyleId>
+              </a:tblPr>
+              <a:tblGrid>
+                <a:gridCol w="592667">
+                  <a:extLst>
+                    <a:ext uri="{9D8B030D-6E8A-4147-A177-3AD203B41FA5}">
+                      <a16:colId xmlns:a16="http://schemas.microsoft.com/office/drawing/2014/main" val="2141134815"/>
+                    </a:ext>
+                  </a:extLst>
+                </a:gridCol>
+              </a:tblGrid>
+              <a:tr h="370840">
+                <a:tc>
+                  <a:txBody>
+                    <a:bodyPr/>
+                    <a:lstStyle/>
+                    <a:p>
+                      <a:pPr algn="ctr"/>
+                      <a:endParaRPr lang="es-PE"/>
+                    </a:p>
+                  </a:txBody>
+                  <a:tcPr anchor="ctr">
+                    <a:noFill/>
+                  </a:tcPr>
+                </a:tc>
+                <a:extLst>
+                  <a:ext uri="{0D108BD9-81ED-4DB2-BD59-A6C34878D82A}">
+                    <a16:rowId xmlns:a16="http://schemas.microsoft.com/office/drawing/2014/main" val="3376352132"/>
+                  </a:ext>
+                </a:extLst>
+              </a:tr>
+              <a:tr h="370840">
+                <a:tc>
+                  <a:txBody>
+                    <a:bodyPr/>
+                    <a:lstStyle/>
+                    <a:p>
+                      <a:pPr algn="ctr"/>
+                      <a:endParaRPr lang="es-PE"/>
+                    </a:p>
+                  </a:txBody>
+                  <a:tcPr anchor="ctr">
+                    <a:noFill/>
+                  </a:tcPr>
+                </a:tc>
+                <a:extLst>
+                  <a:ext uri="{0D108BD9-81ED-4DB2-BD59-A6C34878D82A}">
+                    <a16:rowId xmlns:a16="http://schemas.microsoft.com/office/drawing/2014/main" val="1964234980"/>
+                  </a:ext>
+                </a:extLst>
+              </a:tr>
+              <a:tr h="370840">
+                <a:tc>
+                  <a:txBody>
+                    <a:bodyPr/>
+                    <a:lstStyle/>
+                    <a:p>
+                      <a:pPr algn="ctr"/>
+                      <a:endParaRPr lang="es-PE"/>
+                    </a:p>
+                  </a:txBody>
+                  <a:tcPr anchor="ctr">
+                    <a:noFill/>
+                  </a:tcPr>
+                </a:tc>
+                <a:extLst>
+                  <a:ext uri="{0D108BD9-81ED-4DB2-BD59-A6C34878D82A}">
+                    <a16:rowId xmlns:a16="http://schemas.microsoft.com/office/drawing/2014/main" val="4134296963"/>
+                  </a:ext>
+                </a:extLst>
+              </a:tr>
+              <a:tr h="370840">
+                <a:tc>
+                  <a:txBody>
+                    <a:bodyPr/>
+                    <a:lstStyle/>
+                    <a:p>
+                      <a:pPr algn="ctr"/>
+                      <a:r>
+                        <a:rPr lang="es-PE"/>
+                        <a:t>5</a:t>
+                      </a:r>
+                    </a:p>
+                  </a:txBody>
+                  <a:tcPr anchor="ctr">
+                    <a:noFill/>
+                  </a:tcPr>
+                </a:tc>
+                <a:extLst>
+                  <a:ext uri="{0D108BD9-81ED-4DB2-BD59-A6C34878D82A}">
+                    <a16:rowId xmlns:a16="http://schemas.microsoft.com/office/drawing/2014/main" val="3301726705"/>
+                  </a:ext>
+                </a:extLst>
+              </a:tr>
+              <a:tr h="370840">
+                <a:tc>
+                  <a:txBody>
+                    <a:bodyPr/>
+                    <a:lstStyle/>
+                    <a:p>
+                      <a:pPr algn="ctr"/>
+                      <a:r>
+                        <a:rPr lang="es-PE"/>
+                        <a:t>4</a:t>
+                      </a:r>
+                    </a:p>
+                  </a:txBody>
+                  <a:tcPr anchor="ctr">
+                    <a:noFill/>
+                  </a:tcPr>
+                </a:tc>
+                <a:extLst>
+                  <a:ext uri="{0D108BD9-81ED-4DB2-BD59-A6C34878D82A}">
+                    <a16:rowId xmlns:a16="http://schemas.microsoft.com/office/drawing/2014/main" val="3680721596"/>
+                  </a:ext>
+                </a:extLst>
+              </a:tr>
+              <a:tr h="370840">
+                <a:tc>
+                  <a:txBody>
+                    <a:bodyPr/>
+                    <a:lstStyle/>
+                    <a:p>
+                      <a:pPr algn="ctr"/>
+                      <a:r>
+                        <a:rPr lang="es-PE"/>
+                        <a:t>32</a:t>
+                      </a:r>
+                    </a:p>
+                  </a:txBody>
+                  <a:tcPr anchor="ctr">
+                    <a:noFill/>
+                  </a:tcPr>
+                </a:tc>
+                <a:extLst>
+                  <a:ext uri="{0D108BD9-81ED-4DB2-BD59-A6C34878D82A}">
+                    <a16:rowId xmlns:a16="http://schemas.microsoft.com/office/drawing/2014/main" val="2044636074"/>
+                  </a:ext>
+                </a:extLst>
+              </a:tr>
+            </a:tbl>
+          </a:graphicData>
+        </a:graphic>
+      </p:graphicFrame>
+      <p:graphicFrame>
+        <p:nvGraphicFramePr>
+          <p:cNvPr id="41" name="Tabla 3">
+            <a:extLst>
+              <a:ext uri="{FF2B5EF4-FFF2-40B4-BE49-F238E27FC236}">
+                <a16:creationId xmlns:a16="http://schemas.microsoft.com/office/drawing/2014/main" id="{771AA745-C5FF-416C-8952-B8BBB008D4E8}"/>
+              </a:ext>
+            </a:extLst>
+          </p:cNvPr>
+          <p:cNvGraphicFramePr>
+            <a:graphicFrameLocks noGrp="1"/>
+          </p:cNvGraphicFramePr>
+          <p:nvPr>
+            <p:extLst>
+              <p:ext uri="{D42A27DB-BD31-4B8C-83A1-F6EECF244321}">
+                <p14:modId xmlns:p14="http://schemas.microsoft.com/office/powerpoint/2010/main" val="2683219154"/>
+              </p:ext>
+            </p:extLst>
+          </p:nvPr>
+        </p:nvGraphicFramePr>
+        <p:xfrm>
+          <a:off x="9987861" y="2703830"/>
+          <a:ext cx="592667" cy="2225040"/>
+        </p:xfrm>
+        <a:graphic>
+          <a:graphicData uri="http://schemas.openxmlformats.org/drawingml/2006/table">
+            <a:tbl>
+              <a:tblPr firstRow="1" bandRow="1">
+                <a:tableStyleId>{D7AC3CCA-C797-4891-BE02-D94E43425B78}</a:tableStyleId>
+              </a:tblPr>
+              <a:tblGrid>
+                <a:gridCol w="592667">
+                  <a:extLst>
+                    <a:ext uri="{9D8B030D-6E8A-4147-A177-3AD203B41FA5}">
+                      <a16:colId xmlns:a16="http://schemas.microsoft.com/office/drawing/2014/main" val="2141134815"/>
+                    </a:ext>
+                  </a:extLst>
+                </a:gridCol>
+              </a:tblGrid>
+              <a:tr h="370840">
+                <a:tc>
+                  <a:txBody>
+                    <a:bodyPr/>
+                    <a:lstStyle/>
+                    <a:p>
+                      <a:pPr algn="ctr"/>
+                      <a:endParaRPr lang="es-PE"/>
+                    </a:p>
+                  </a:txBody>
+                  <a:tcPr anchor="ctr">
+                    <a:noFill/>
+                  </a:tcPr>
+                </a:tc>
+                <a:extLst>
+                  <a:ext uri="{0D108BD9-81ED-4DB2-BD59-A6C34878D82A}">
+                    <a16:rowId xmlns:a16="http://schemas.microsoft.com/office/drawing/2014/main" val="3376352132"/>
+                  </a:ext>
+                </a:extLst>
+              </a:tr>
+              <a:tr h="370840">
+                <a:tc>
+                  <a:txBody>
+                    <a:bodyPr/>
+                    <a:lstStyle/>
+                    <a:p>
+                      <a:pPr algn="ctr"/>
+                      <a:endParaRPr lang="es-PE"/>
+                    </a:p>
+                  </a:txBody>
+                  <a:tcPr anchor="ctr">
+                    <a:noFill/>
+                  </a:tcPr>
+                </a:tc>
+                <a:extLst>
+                  <a:ext uri="{0D108BD9-81ED-4DB2-BD59-A6C34878D82A}">
+                    <a16:rowId xmlns:a16="http://schemas.microsoft.com/office/drawing/2014/main" val="1964234980"/>
+                  </a:ext>
+                </a:extLst>
+              </a:tr>
+              <a:tr h="370840">
+                <a:tc>
+                  <a:txBody>
+                    <a:bodyPr/>
+                    <a:lstStyle/>
+                    <a:p>
+                      <a:pPr algn="ctr"/>
+                      <a:endParaRPr lang="es-PE"/>
+                    </a:p>
+                  </a:txBody>
+                  <a:tcPr anchor="ctr">
+                    <a:noFill/>
+                  </a:tcPr>
+                </a:tc>
+                <a:extLst>
+                  <a:ext uri="{0D108BD9-81ED-4DB2-BD59-A6C34878D82A}">
+                    <a16:rowId xmlns:a16="http://schemas.microsoft.com/office/drawing/2014/main" val="4134296963"/>
+                  </a:ext>
+                </a:extLst>
+              </a:tr>
+              <a:tr h="370840">
+                <a:tc>
+                  <a:txBody>
+                    <a:bodyPr/>
+                    <a:lstStyle/>
+                    <a:p>
+                      <a:pPr algn="ctr"/>
+                      <a:endParaRPr lang="es-PE"/>
+                    </a:p>
+                  </a:txBody>
+                  <a:tcPr anchor="ctr">
+                    <a:noFill/>
+                  </a:tcPr>
+                </a:tc>
+                <a:extLst>
+                  <a:ext uri="{0D108BD9-81ED-4DB2-BD59-A6C34878D82A}">
+                    <a16:rowId xmlns:a16="http://schemas.microsoft.com/office/drawing/2014/main" val="3301726705"/>
+                  </a:ext>
+                </a:extLst>
+              </a:tr>
+              <a:tr h="370840">
+                <a:tc>
+                  <a:txBody>
+                    <a:bodyPr/>
+                    <a:lstStyle/>
+                    <a:p>
+                      <a:pPr algn="ctr"/>
+                      <a:r>
+                        <a:rPr lang="es-PE"/>
+                        <a:t>4/5</a:t>
+                      </a:r>
+                    </a:p>
+                  </a:txBody>
+                  <a:tcPr anchor="ctr">
+                    <a:noFill/>
+                  </a:tcPr>
+                </a:tc>
+                <a:extLst>
+                  <a:ext uri="{0D108BD9-81ED-4DB2-BD59-A6C34878D82A}">
+                    <a16:rowId xmlns:a16="http://schemas.microsoft.com/office/drawing/2014/main" val="3680721596"/>
+                  </a:ext>
+                </a:extLst>
+              </a:tr>
+              <a:tr h="370840">
+                <a:tc>
+                  <a:txBody>
+                    <a:bodyPr/>
+                    <a:lstStyle/>
+                    <a:p>
+                      <a:pPr algn="ctr"/>
+                      <a:r>
+                        <a:rPr lang="es-PE"/>
+                        <a:t>32</a:t>
+                      </a:r>
+                    </a:p>
+                  </a:txBody>
+                  <a:tcPr anchor="ctr">
+                    <a:noFill/>
+                  </a:tcPr>
+                </a:tc>
+                <a:extLst>
+                  <a:ext uri="{0D108BD9-81ED-4DB2-BD59-A6C34878D82A}">
+                    <a16:rowId xmlns:a16="http://schemas.microsoft.com/office/drawing/2014/main" val="2044636074"/>
+                  </a:ext>
+                </a:extLst>
+              </a:tr>
+            </a:tbl>
+          </a:graphicData>
+        </a:graphic>
+      </p:graphicFrame>
+      <p:graphicFrame>
+        <p:nvGraphicFramePr>
+          <p:cNvPr id="42" name="Tabla 3">
+            <a:extLst>
+              <a:ext uri="{FF2B5EF4-FFF2-40B4-BE49-F238E27FC236}">
+                <a16:creationId xmlns:a16="http://schemas.microsoft.com/office/drawing/2014/main" id="{B13017E2-41F5-42FE-803D-D1D3CF651FDC}"/>
+              </a:ext>
+            </a:extLst>
+          </p:cNvPr>
+          <p:cNvGraphicFramePr>
+            <a:graphicFrameLocks noGrp="1"/>
+          </p:cNvGraphicFramePr>
+          <p:nvPr>
+            <p:extLst>
+              <p:ext uri="{D42A27DB-BD31-4B8C-83A1-F6EECF244321}">
+                <p14:modId xmlns:p14="http://schemas.microsoft.com/office/powerpoint/2010/main" val="3565727208"/>
+              </p:ext>
+            </p:extLst>
+          </p:nvPr>
+        </p:nvGraphicFramePr>
+        <p:xfrm>
+          <a:off x="10730519" y="2703830"/>
+          <a:ext cx="592667" cy="2225040"/>
+        </p:xfrm>
+        <a:graphic>
+          <a:graphicData uri="http://schemas.openxmlformats.org/drawingml/2006/table">
+            <a:tbl>
+              <a:tblPr firstRow="1" bandRow="1">
+                <a:tableStyleId>{D7AC3CCA-C797-4891-BE02-D94E43425B78}</a:tableStyleId>
+              </a:tblPr>
+              <a:tblGrid>
+                <a:gridCol w="592667">
+                  <a:extLst>
+                    <a:ext uri="{9D8B030D-6E8A-4147-A177-3AD203B41FA5}">
+                      <a16:colId xmlns:a16="http://schemas.microsoft.com/office/drawing/2014/main" val="2141134815"/>
+                    </a:ext>
+                  </a:extLst>
+                </a:gridCol>
+              </a:tblGrid>
+              <a:tr h="370840">
+                <a:tc>
+                  <a:txBody>
+                    <a:bodyPr/>
+                    <a:lstStyle/>
+                    <a:p>
+                      <a:pPr algn="ctr"/>
+                      <a:endParaRPr lang="es-PE"/>
+                    </a:p>
+                  </a:txBody>
+                  <a:tcPr anchor="ctr">
+                    <a:noFill/>
+                  </a:tcPr>
+                </a:tc>
+                <a:extLst>
+                  <a:ext uri="{0D108BD9-81ED-4DB2-BD59-A6C34878D82A}">
+                    <a16:rowId xmlns:a16="http://schemas.microsoft.com/office/drawing/2014/main" val="3376352132"/>
+                  </a:ext>
+                </a:extLst>
+              </a:tr>
+              <a:tr h="370840">
+                <a:tc>
+                  <a:txBody>
+                    <a:bodyPr/>
+                    <a:lstStyle/>
+                    <a:p>
+                      <a:pPr algn="ctr"/>
+                      <a:endParaRPr lang="es-PE"/>
+                    </a:p>
+                  </a:txBody>
+                  <a:tcPr anchor="ctr">
+                    <a:noFill/>
+                  </a:tcPr>
+                </a:tc>
+                <a:extLst>
+                  <a:ext uri="{0D108BD9-81ED-4DB2-BD59-A6C34878D82A}">
+                    <a16:rowId xmlns:a16="http://schemas.microsoft.com/office/drawing/2014/main" val="1964234980"/>
+                  </a:ext>
+                </a:extLst>
+              </a:tr>
+              <a:tr h="370840">
+                <a:tc>
+                  <a:txBody>
+                    <a:bodyPr/>
+                    <a:lstStyle/>
+                    <a:p>
+                      <a:pPr algn="ctr"/>
+                      <a:endParaRPr lang="es-PE"/>
+                    </a:p>
+                  </a:txBody>
+                  <a:tcPr anchor="ctr">
+                    <a:noFill/>
+                  </a:tcPr>
+                </a:tc>
+                <a:extLst>
+                  <a:ext uri="{0D108BD9-81ED-4DB2-BD59-A6C34878D82A}">
+                    <a16:rowId xmlns:a16="http://schemas.microsoft.com/office/drawing/2014/main" val="4134296963"/>
+                  </a:ext>
+                </a:extLst>
+              </a:tr>
+              <a:tr h="370840">
+                <a:tc>
+                  <a:txBody>
+                    <a:bodyPr/>
+                    <a:lstStyle/>
+                    <a:p>
+                      <a:pPr algn="ctr"/>
+                      <a:endParaRPr lang="es-PE"/>
+                    </a:p>
+                  </a:txBody>
+                  <a:tcPr anchor="ctr">
+                    <a:noFill/>
+                  </a:tcPr>
+                </a:tc>
+                <a:extLst>
+                  <a:ext uri="{0D108BD9-81ED-4DB2-BD59-A6C34878D82A}">
+                    <a16:rowId xmlns:a16="http://schemas.microsoft.com/office/drawing/2014/main" val="3301726705"/>
+                  </a:ext>
+                </a:extLst>
+              </a:tr>
+              <a:tr h="370840">
+                <a:tc>
+                  <a:txBody>
+                    <a:bodyPr/>
+                    <a:lstStyle/>
+                    <a:p>
+                      <a:pPr algn="ctr"/>
+                      <a:endParaRPr lang="es-PE"/>
+                    </a:p>
+                  </a:txBody>
+                  <a:tcPr anchor="ctr">
+                    <a:noFill/>
+                  </a:tcPr>
+                </a:tc>
+                <a:extLst>
+                  <a:ext uri="{0D108BD9-81ED-4DB2-BD59-A6C34878D82A}">
+                    <a16:rowId xmlns:a16="http://schemas.microsoft.com/office/drawing/2014/main" val="3680721596"/>
+                  </a:ext>
+                </a:extLst>
+              </a:tr>
+              <a:tr h="370840">
+                <a:tc>
+                  <a:txBody>
+                    <a:bodyPr/>
+                    <a:lstStyle/>
+                    <a:p>
+                      <a:pPr algn="ctr"/>
+                      <a:r>
+                        <a:rPr lang="es-PE"/>
+                        <a:t>32.8</a:t>
+                      </a:r>
+                    </a:p>
+                  </a:txBody>
+                  <a:tcPr anchor="ctr">
+                    <a:noFill/>
+                  </a:tcPr>
+                </a:tc>
+                <a:extLst>
+                  <a:ext uri="{0D108BD9-81ED-4DB2-BD59-A6C34878D82A}">
+                    <a16:rowId xmlns:a16="http://schemas.microsoft.com/office/drawing/2014/main" val="2044636074"/>
+                  </a:ext>
+                </a:extLst>
+              </a:tr>
+            </a:tbl>
+          </a:graphicData>
+        </a:graphic>
+      </p:graphicFrame>
+      <p:cxnSp>
+        <p:nvCxnSpPr>
+          <p:cNvPr id="43" name="Conector recto de flecha 42">
+            <a:extLst>
+              <a:ext uri="{FF2B5EF4-FFF2-40B4-BE49-F238E27FC236}">
+                <a16:creationId xmlns:a16="http://schemas.microsoft.com/office/drawing/2014/main" id="{7C256526-A5DF-406E-8F38-7B4CC1547646}"/>
+              </a:ext>
+            </a:extLst>
+          </p:cNvPr>
+          <p:cNvCxnSpPr>
+            <a:cxnSpLocks/>
+          </p:cNvCxnSpPr>
+          <p:nvPr/>
+        </p:nvCxnSpPr>
+        <p:spPr>
+          <a:xfrm flipV="1">
+            <a:off x="9016400" y="1572823"/>
+            <a:ext cx="0" cy="285758"/>
+          </a:xfrm>
+          <a:prstGeom prst="straightConnector1">
+            <a:avLst/>
+          </a:prstGeom>
+          <a:ln w="38100">
+            <a:solidFill>
+              <a:schemeClr val="bg2">
+                <a:lumMod val="75000"/>
+              </a:schemeClr>
+            </a:solidFill>
+            <a:tailEnd type="triangle"/>
+          </a:ln>
+        </p:spPr>
+        <p:style>
+          <a:lnRef idx="1">
+            <a:schemeClr val="accent1"/>
+          </a:lnRef>
+          <a:fillRef idx="0">
+            <a:schemeClr val="accent1"/>
+          </a:fillRef>
+          <a:effectRef idx="0">
+            <a:schemeClr val="accent1"/>
+          </a:effectRef>
+          <a:fontRef idx="minor">
+            <a:schemeClr val="tx1"/>
+          </a:fontRef>
+        </p:style>
+      </p:cxnSp>
+      <p:cxnSp>
+        <p:nvCxnSpPr>
+          <p:cNvPr id="44" name="Conector recto de flecha 43">
+            <a:extLst>
+              <a:ext uri="{FF2B5EF4-FFF2-40B4-BE49-F238E27FC236}">
+                <a16:creationId xmlns:a16="http://schemas.microsoft.com/office/drawing/2014/main" id="{6D3FA132-B3E6-4A75-9BFE-ABFDD33691A7}"/>
+              </a:ext>
+            </a:extLst>
+          </p:cNvPr>
+          <p:cNvCxnSpPr>
+            <a:cxnSpLocks/>
+          </p:cNvCxnSpPr>
+          <p:nvPr/>
+        </p:nvCxnSpPr>
+        <p:spPr>
+          <a:xfrm flipV="1">
+            <a:off x="9149750" y="1572823"/>
+            <a:ext cx="0" cy="285758"/>
+          </a:xfrm>
+          <a:prstGeom prst="straightConnector1">
+            <a:avLst/>
+          </a:prstGeom>
+          <a:ln w="38100">
+            <a:solidFill>
+              <a:schemeClr val="bg2">
+                <a:lumMod val="75000"/>
+              </a:schemeClr>
+            </a:solidFill>
+            <a:tailEnd type="triangle"/>
+          </a:ln>
+        </p:spPr>
+        <p:style>
+          <a:lnRef idx="1">
+            <a:schemeClr val="accent1"/>
+          </a:lnRef>
+          <a:fillRef idx="0">
+            <a:schemeClr val="accent1"/>
+          </a:fillRef>
+          <a:effectRef idx="0">
+            <a:schemeClr val="accent1"/>
+          </a:effectRef>
+          <a:fontRef idx="minor">
+            <a:schemeClr val="tx1"/>
+          </a:fontRef>
+        </p:style>
+      </p:cxnSp>
+      <p:cxnSp>
+        <p:nvCxnSpPr>
+          <p:cNvPr id="45" name="Conector recto de flecha 44">
+            <a:extLst>
+              <a:ext uri="{FF2B5EF4-FFF2-40B4-BE49-F238E27FC236}">
+                <a16:creationId xmlns:a16="http://schemas.microsoft.com/office/drawing/2014/main" id="{58D8E572-F4F6-4F4B-BDDB-5C98A207EBF2}"/>
+              </a:ext>
+            </a:extLst>
+          </p:cNvPr>
+          <p:cNvCxnSpPr>
+            <a:cxnSpLocks/>
+          </p:cNvCxnSpPr>
+          <p:nvPr/>
+        </p:nvCxnSpPr>
+        <p:spPr>
+          <a:xfrm flipV="1">
+            <a:off x="9473600" y="1572823"/>
+            <a:ext cx="0" cy="285758"/>
+          </a:xfrm>
+          <a:prstGeom prst="straightConnector1">
+            <a:avLst/>
+          </a:prstGeom>
+          <a:ln w="38100">
+            <a:solidFill>
+              <a:schemeClr val="bg2">
+                <a:lumMod val="75000"/>
+              </a:schemeClr>
+            </a:solidFill>
+            <a:tailEnd type="triangle"/>
+          </a:ln>
+        </p:spPr>
+        <p:style>
+          <a:lnRef idx="1">
+            <a:schemeClr val="accent1"/>
+          </a:lnRef>
+          <a:fillRef idx="0">
+            <a:schemeClr val="accent1"/>
+          </a:fillRef>
+          <a:effectRef idx="0">
+            <a:schemeClr val="accent1"/>
+          </a:effectRef>
+          <a:fontRef idx="minor">
+            <a:schemeClr val="tx1"/>
+          </a:fontRef>
+        </p:style>
+      </p:cxnSp>
+      <p:cxnSp>
+        <p:nvCxnSpPr>
+          <p:cNvPr id="47" name="Conector recto de flecha 46">
+            <a:extLst>
+              <a:ext uri="{FF2B5EF4-FFF2-40B4-BE49-F238E27FC236}">
+                <a16:creationId xmlns:a16="http://schemas.microsoft.com/office/drawing/2014/main" id="{96D509DE-FFFB-4A21-9D1C-32F749467071}"/>
+              </a:ext>
+            </a:extLst>
+          </p:cNvPr>
+          <p:cNvCxnSpPr>
+            <a:cxnSpLocks/>
+          </p:cNvCxnSpPr>
+          <p:nvPr/>
+        </p:nvCxnSpPr>
+        <p:spPr>
+          <a:xfrm flipV="1">
+            <a:off x="9614687" y="1572823"/>
+            <a:ext cx="0" cy="285758"/>
+          </a:xfrm>
+          <a:prstGeom prst="straightConnector1">
+            <a:avLst/>
+          </a:prstGeom>
+          <a:ln w="38100">
+            <a:solidFill>
+              <a:srgbClr val="FF0000"/>
+            </a:solidFill>
+            <a:tailEnd type="triangle"/>
+          </a:ln>
+        </p:spPr>
+        <p:style>
+          <a:lnRef idx="1">
+            <a:schemeClr val="accent1"/>
+          </a:lnRef>
+          <a:fillRef idx="0">
+            <a:schemeClr val="accent1"/>
+          </a:fillRef>
+          <a:effectRef idx="0">
+            <a:schemeClr val="accent1"/>
+          </a:effectRef>
+          <a:fontRef idx="minor">
+            <a:schemeClr val="tx1"/>
+          </a:fontRef>
+        </p:style>
+      </p:cxnSp>
     </p:spTree>
     <p:extLst>
       <p:ext uri="{BB962C8B-B14F-4D97-AF65-F5344CB8AC3E}">
